--- a/Final Presentation.pptx
+++ b/Final Presentation.pptx
@@ -5,10 +5,10 @@
     <p:sldMasterId id="2147483696" r:id="rId4"/>
   </p:sldMasterIdLst>
   <p:notesMasterIdLst>
-    <p:notesMasterId r:id="rId14"/>
+    <p:notesMasterId r:id="rId20"/>
   </p:notesMasterIdLst>
   <p:handoutMasterIdLst>
-    <p:handoutMasterId r:id="rId15"/>
+    <p:handoutMasterId r:id="rId21"/>
   </p:handoutMasterIdLst>
   <p:sldIdLst>
     <p:sldId id="334" r:id="rId5"/>
@@ -19,7 +19,13 @@
     <p:sldId id="351" r:id="rId10"/>
     <p:sldId id="352" r:id="rId11"/>
     <p:sldId id="353" r:id="rId12"/>
-    <p:sldId id="336" r:id="rId13"/>
+    <p:sldId id="355" r:id="rId13"/>
+    <p:sldId id="356" r:id="rId14"/>
+    <p:sldId id="357" r:id="rId15"/>
+    <p:sldId id="358" r:id="rId16"/>
+    <p:sldId id="359" r:id="rId17"/>
+    <p:sldId id="360" r:id="rId18"/>
+    <p:sldId id="336" r:id="rId19"/>
   </p:sldIdLst>
   <p:sldSz cx="12192000" cy="6858000"/>
   <p:notesSz cx="6858000" cy="9144000"/>
@@ -245,7 +251,7 @@
           <a:p>
             <a:fld id="{A3888634-FBA9-41D6-8B35-EE3A7D816B7C}" type="datetimeFigureOut">
               <a:rPr lang="en-US" smtClean="0"/>
-              <a:t>2/21/2025</a:t>
+              <a:t>2/27/2025</a:t>
             </a:fld>
             <a:endParaRPr lang="en-US" dirty="0"/>
           </a:p>
@@ -422,7 +428,7 @@
           <a:p>
             <a:fld id="{5EA28068-AFBD-4979-B752-9EB6F90B1386}" type="datetimeFigureOut">
               <a:rPr lang="en-US" smtClean="0"/>
-              <a:t>2/21/2025</a:t>
+              <a:t>2/27/2025</a:t>
             </a:fld>
             <a:endParaRPr lang="en-US" dirty="0"/>
           </a:p>
@@ -1090,7 +1096,7 @@
           <a:p>
             <a:fld id="{D5939589-3E79-4C82-AA4A-FE78234FAA59}" type="slidenum">
               <a:rPr lang="en-US" smtClean="0"/>
-              <a:t>9</a:t>
+              <a:t>15</a:t>
             </a:fld>
             <a:endParaRPr lang="en-US" dirty="0"/>
           </a:p>
@@ -11934,6 +11940,2265 @@
 </p:sld>
 </file>
 
+<file path=ppt/slides/slide10.xml><?xml version="1.0" encoding="utf-8"?>
+<p:sld xmlns:a="http://schemas.openxmlformats.org/drawingml/2006/main" xmlns:r="http://schemas.openxmlformats.org/officeDocument/2006/relationships" xmlns:p="http://schemas.openxmlformats.org/presentationml/2006/main">
+  <p:cSld>
+    <p:spTree>
+      <p:nvGrpSpPr>
+        <p:cNvPr id="1" name=""/>
+        <p:cNvGrpSpPr/>
+        <p:nvPr/>
+      </p:nvGrpSpPr>
+      <p:grpSpPr>
+        <a:xfrm>
+          <a:off x="0" y="0"/>
+          <a:ext cx="0" cy="0"/>
+          <a:chOff x="0" y="0"/>
+          <a:chExt cx="0" cy="0"/>
+        </a:xfrm>
+      </p:grpSpPr>
+      <p:sp>
+        <p:nvSpPr>
+          <p:cNvPr id="2" name="Title 1">
+            <a:extLst>
+              <a:ext uri="{FF2B5EF4-FFF2-40B4-BE49-F238E27FC236}">
+                <a16:creationId xmlns:a16="http://schemas.microsoft.com/office/drawing/2014/main" id="{FEA04C58-EB9F-CF65-702F-636B6D42D59D}"/>
+              </a:ext>
+            </a:extLst>
+          </p:cNvPr>
+          <p:cNvSpPr>
+            <a:spLocks noGrp="1"/>
+          </p:cNvSpPr>
+          <p:nvPr>
+            <p:ph type="ctrTitle"/>
+          </p:nvPr>
+        </p:nvSpPr>
+        <p:spPr>
+          <a:xfrm>
+            <a:off x="1280157" y="721360"/>
+            <a:ext cx="11108488" cy="5811520"/>
+          </a:xfrm>
+        </p:spPr>
+        <p:txBody>
+          <a:bodyPr/>
+          <a:lstStyle/>
+          <a:p>
+            <a:pPr marL="58738" indent="-58738">
+              <a:lnSpc>
+                <a:spcPct val="200000"/>
+              </a:lnSpc>
+            </a:pPr>
+            <a:r>
+              <a:rPr kumimoji="0" lang="en-US" sz="1800" b="1" i="0" u="sng" strike="noStrike" kern="1200" cap="none" spc="0" normalizeH="0" baseline="0" noProof="0" dirty="0">
+                <a:ln>
+                  <a:noFill/>
+                </a:ln>
+                <a:solidFill>
+                  <a:srgbClr val="403152"/>
+                </a:solidFill>
+                <a:effectLst/>
+                <a:uLnTx/>
+                <a:uFillTx/>
+                <a:latin typeface="Aptos ExtraBold" panose="020B0004020202020204" pitchFamily="34" charset="0"/>
+                <a:ea typeface="MS Mincho" panose="02020609040205080304" pitchFamily="49" charset="-128"/>
+                <a:cs typeface="Arial" panose="020B0604020202020204" pitchFamily="34" charset="0"/>
+              </a:rPr>
+              <a:t>Step 1. </a:t>
+            </a:r>
+            <a:r>
+              <a:rPr lang="en-US" sz="1800" dirty="0">
+                <a:latin typeface="Aptos ExtraBold" panose="020B0004020202020204" pitchFamily="34" charset="0"/>
+                <a:ea typeface="MS Mincho" panose="02020609040205080304" pitchFamily="49" charset="-128"/>
+                <a:cs typeface="Arial" panose="020B0604020202020204" pitchFamily="34" charset="0"/>
+              </a:rPr>
+              <a:t>Go to your Azure Storage Account in the portal.</a:t>
+            </a:r>
+            <a:br>
+              <a:rPr lang="en-US" sz="1800" b="0" cap="none" dirty="0">
+                <a:solidFill>
+                  <a:prstClr val="white"/>
+                </a:solidFill>
+                <a:latin typeface="Univers"/>
+                <a:ea typeface="+mn-ea"/>
+                <a:cs typeface="+mn-cs"/>
+              </a:rPr>
+            </a:br>
+            <a:r>
+              <a:rPr lang="en-US" sz="1800" u="sng" cap="none" dirty="0">
+                <a:solidFill>
+                  <a:srgbClr val="403152"/>
+                </a:solidFill>
+                <a:latin typeface="Aptos ExtraBold" panose="020B0004020202020204" pitchFamily="34" charset="0"/>
+                <a:ea typeface="MS Mincho" panose="02020609040205080304" pitchFamily="49" charset="-128"/>
+                <a:cs typeface="Arial" panose="020B0604020202020204" pitchFamily="34" charset="0"/>
+              </a:rPr>
+              <a:t>Step 2.  </a:t>
+            </a:r>
+            <a:r>
+              <a:rPr lang="en-US" sz="1800" dirty="0">
+                <a:latin typeface="Aptos ExtraBold" panose="020B0004020202020204" pitchFamily="34" charset="0"/>
+                <a:ea typeface="MS Mincho" panose="02020609040205080304" pitchFamily="49" charset="-128"/>
+                <a:cs typeface="Arial" panose="020B0604020202020204" pitchFamily="34" charset="0"/>
+              </a:rPr>
+              <a:t>Create a New Container</a:t>
+            </a:r>
+            <a:br>
+              <a:rPr lang="en-US" sz="1900" b="0" cap="none" dirty="0">
+                <a:solidFill>
+                  <a:prstClr val="white"/>
+                </a:solidFill>
+                <a:latin typeface="Univers"/>
+                <a:ea typeface="+mn-ea"/>
+                <a:cs typeface="+mn-cs"/>
+              </a:rPr>
+            </a:br>
+            <a:r>
+              <a:rPr lang="en-US" sz="1800" dirty="0">
+                <a:latin typeface="Aptos ExtraBold" panose="020B0004020202020204" pitchFamily="34" charset="0"/>
+                <a:ea typeface="MS Mincho" panose="02020609040205080304" pitchFamily="49" charset="-128"/>
+                <a:cs typeface="Arial" panose="020B0604020202020204" pitchFamily="34" charset="0"/>
+              </a:rPr>
+              <a:t>in the left sidebar, under "Data storage", select "Containers“, Click "Add Container".</a:t>
+            </a:r>
+            <a:br>
+              <a:rPr lang="en-US" sz="1900" b="0" cap="none" dirty="0">
+                <a:solidFill>
+                  <a:prstClr val="white"/>
+                </a:solidFill>
+                <a:latin typeface="Univers"/>
+                <a:ea typeface="+mn-ea"/>
+                <a:cs typeface="+mn-cs"/>
+              </a:rPr>
+            </a:br>
+            <a:r>
+              <a:rPr lang="en-US" sz="1800" u="sng" cap="none" dirty="0">
+                <a:solidFill>
+                  <a:srgbClr val="403152"/>
+                </a:solidFill>
+                <a:latin typeface="Aptos ExtraBold" panose="020B0004020202020204" pitchFamily="34" charset="0"/>
+                <a:ea typeface="MS Mincho" panose="02020609040205080304" pitchFamily="49" charset="-128"/>
+                <a:cs typeface="Arial" panose="020B0604020202020204" pitchFamily="34" charset="0"/>
+              </a:rPr>
+              <a:t>Step3. </a:t>
+            </a:r>
+            <a:r>
+              <a:rPr lang="en-US" sz="1800" dirty="0">
+                <a:latin typeface="Aptos ExtraBold" panose="020B0004020202020204" pitchFamily="34" charset="0"/>
+                <a:ea typeface="MS Mincho" panose="02020609040205080304" pitchFamily="49" charset="-128"/>
+                <a:cs typeface="Arial" panose="020B0604020202020204" pitchFamily="34" charset="0"/>
+              </a:rPr>
+              <a:t>Configure the Container</a:t>
+            </a:r>
+            <a:br>
+              <a:rPr lang="en-US" sz="1800" u="sng" cap="none" dirty="0">
+                <a:solidFill>
+                  <a:srgbClr val="403152"/>
+                </a:solidFill>
+                <a:latin typeface="Aptos ExtraBold" panose="020B0004020202020204" pitchFamily="34" charset="0"/>
+                <a:ea typeface="MS Mincho" panose="02020609040205080304" pitchFamily="49" charset="-128"/>
+                <a:cs typeface="Arial" panose="020B0604020202020204" pitchFamily="34" charset="0"/>
+              </a:rPr>
+            </a:br>
+            <a:r>
+              <a:rPr lang="en-US" sz="1800" dirty="0">
+                <a:latin typeface="Aptos ExtraBold" panose="020B0004020202020204" pitchFamily="34" charset="0"/>
+                <a:ea typeface="MS Mincho" panose="02020609040205080304" pitchFamily="49" charset="-128"/>
+                <a:cs typeface="Arial" panose="020B0604020202020204" pitchFamily="34" charset="0"/>
+              </a:rPr>
+              <a:t>Enter a unique name for the container then Choose the Anonymous access level</a:t>
+            </a:r>
+            <a:br>
+              <a:rPr lang="en-US" sz="1800" dirty="0">
+                <a:latin typeface="Aptos ExtraBold" panose="020B0004020202020204" pitchFamily="34" charset="0"/>
+                <a:ea typeface="MS Mincho" panose="02020609040205080304" pitchFamily="49" charset="-128"/>
+                <a:cs typeface="Arial" panose="020B0604020202020204" pitchFamily="34" charset="0"/>
+              </a:rPr>
+            </a:br>
+            <a:r>
+              <a:rPr lang="en-US" sz="1800" dirty="0">
+                <a:latin typeface="Aptos ExtraBold" panose="020B0004020202020204" pitchFamily="34" charset="0"/>
+                <a:ea typeface="MS Mincho" panose="02020609040205080304" pitchFamily="49" charset="-128"/>
+                <a:cs typeface="Arial" panose="020B0604020202020204" pitchFamily="34" charset="0"/>
+              </a:rPr>
+              <a:t>” Container "and Hit "Create“.</a:t>
+            </a:r>
+            <a:br>
+              <a:rPr lang="en-US" sz="1900" b="0" cap="none" dirty="0">
+                <a:solidFill>
+                  <a:prstClr val="white"/>
+                </a:solidFill>
+                <a:latin typeface="Univers"/>
+                <a:ea typeface="+mn-ea"/>
+                <a:cs typeface="+mn-cs"/>
+              </a:rPr>
+            </a:br>
+            <a:r>
+              <a:rPr lang="en-US" sz="1800" u="sng" cap="none" dirty="0">
+                <a:solidFill>
+                  <a:srgbClr val="403152"/>
+                </a:solidFill>
+                <a:latin typeface="Aptos ExtraBold" panose="020B0004020202020204" pitchFamily="34" charset="0"/>
+                <a:ea typeface="MS Mincho" panose="02020609040205080304" pitchFamily="49" charset="-128"/>
+                <a:cs typeface="Arial" panose="020B0604020202020204" pitchFamily="34" charset="0"/>
+              </a:rPr>
+              <a:t>Step4. </a:t>
+            </a:r>
+            <a:r>
+              <a:rPr lang="en-US" sz="1800" dirty="0">
+                <a:latin typeface="Aptos ExtraBold" panose="020B0004020202020204" pitchFamily="34" charset="0"/>
+                <a:ea typeface="MS Mincho" panose="02020609040205080304" pitchFamily="49" charset="-128"/>
+                <a:cs typeface="Arial" panose="020B0604020202020204" pitchFamily="34" charset="0"/>
+              </a:rPr>
+              <a:t>Upload Files to the Container</a:t>
+            </a:r>
+            <a:br>
+              <a:rPr lang="en-US" sz="1900" b="0" cap="none" dirty="0">
+                <a:solidFill>
+                  <a:prstClr val="white"/>
+                </a:solidFill>
+                <a:latin typeface="Univers"/>
+                <a:ea typeface="+mn-ea"/>
+                <a:cs typeface="+mn-cs"/>
+              </a:rPr>
+            </a:br>
+            <a:r>
+              <a:rPr lang="en-US" sz="1900" b="0" cap="none" dirty="0">
+                <a:solidFill>
+                  <a:prstClr val="white"/>
+                </a:solidFill>
+                <a:latin typeface="Univers"/>
+                <a:ea typeface="+mn-ea"/>
+                <a:cs typeface="+mn-cs"/>
+              </a:rPr>
+              <a:t> </a:t>
+            </a:r>
+            <a:r>
+              <a:rPr lang="en-US" sz="1600" dirty="0">
+                <a:latin typeface="Aptos ExtraBold" panose="020B0004020202020204" pitchFamily="34" charset="0"/>
+                <a:ea typeface="MS Mincho" panose="02020609040205080304" pitchFamily="49" charset="-128"/>
+                <a:cs typeface="Arial" panose="020B0604020202020204" pitchFamily="34" charset="0"/>
+              </a:rPr>
+              <a:t>Inside the container you created, click "Upload“, Select  files you want to upload Click "Upload“.</a:t>
+            </a:r>
+            <a:endParaRPr lang="en-US" sz="1800" dirty="0">
+              <a:latin typeface="Aptos ExtraBold" panose="020B0004020202020204" pitchFamily="34" charset="0"/>
+              <a:ea typeface="MS Mincho" panose="02020609040205080304" pitchFamily="49" charset="-128"/>
+              <a:cs typeface="Arial" panose="020B0604020202020204" pitchFamily="34" charset="0"/>
+            </a:endParaRPr>
+          </a:p>
+        </p:txBody>
+      </p:sp>
+      <p:sp>
+        <p:nvSpPr>
+          <p:cNvPr id="3" name="Subtitle 2">
+            <a:extLst>
+              <a:ext uri="{FF2B5EF4-FFF2-40B4-BE49-F238E27FC236}">
+                <a16:creationId xmlns:a16="http://schemas.microsoft.com/office/drawing/2014/main" id="{F2CEA2AE-1BAC-06B1-C398-564398C49EDC}"/>
+              </a:ext>
+            </a:extLst>
+          </p:cNvPr>
+          <p:cNvSpPr>
+            <a:spLocks noGrp="1"/>
+          </p:cNvSpPr>
+          <p:nvPr>
+            <p:ph type="subTitle" idx="1"/>
+          </p:nvPr>
+        </p:nvSpPr>
+        <p:spPr>
+          <a:xfrm>
+            <a:off x="1398146" y="0"/>
+            <a:ext cx="10302237" cy="447040"/>
+          </a:xfrm>
+        </p:spPr>
+        <p:txBody>
+          <a:bodyPr>
+            <a:normAutofit/>
+          </a:bodyPr>
+          <a:lstStyle/>
+          <a:p>
+            <a:r>
+              <a:rPr lang="en-US" sz="1800" b="1" u="sng" cap="all" dirty="0">
+                <a:solidFill>
+                  <a:schemeClr val="tx1">
+                    <a:lumMod val="65000"/>
+                    <a:lumOff val="35000"/>
+                  </a:schemeClr>
+                </a:solidFill>
+                <a:latin typeface="+mj-lt"/>
+                <a:ea typeface="+mj-ea"/>
+                <a:cs typeface="+mj-cs"/>
+              </a:rPr>
+              <a:t>Create </a:t>
+            </a:r>
+            <a:r>
+              <a:rPr kumimoji="0" lang="en-US" sz="1800" b="1" i="0" u="sng" strike="noStrike" kern="1200" cap="all" spc="0" normalizeH="0" baseline="0" noProof="0" dirty="0">
+                <a:ln>
+                  <a:noFill/>
+                </a:ln>
+                <a:solidFill>
+                  <a:schemeClr val="tx1">
+                    <a:lumMod val="65000"/>
+                    <a:lumOff val="35000"/>
+                  </a:schemeClr>
+                </a:solidFill>
+                <a:effectLst/>
+                <a:uLnTx/>
+                <a:uFillTx/>
+                <a:latin typeface="Univers"/>
+                <a:ea typeface="+mj-ea"/>
+                <a:cs typeface="+mj-cs"/>
+              </a:rPr>
+              <a:t>an Azure</a:t>
+            </a:r>
+            <a:r>
+              <a:rPr lang="en-US" sz="1800" b="1" u="sng" cap="all" dirty="0">
+                <a:solidFill>
+                  <a:schemeClr val="tx1">
+                    <a:lumMod val="65000"/>
+                    <a:lumOff val="35000"/>
+                  </a:schemeClr>
+                </a:solidFill>
+                <a:latin typeface="+mj-lt"/>
+                <a:ea typeface="+mj-ea"/>
+                <a:cs typeface="+mj-cs"/>
+              </a:rPr>
+              <a:t> Blob Container</a:t>
+            </a:r>
+          </a:p>
+        </p:txBody>
+      </p:sp>
+    </p:spTree>
+    <p:extLst>
+      <p:ext uri="{BB962C8B-B14F-4D97-AF65-F5344CB8AC3E}">
+        <p14:creationId xmlns:p14="http://schemas.microsoft.com/office/powerpoint/2010/main" val="726513789"/>
+      </p:ext>
+    </p:extLst>
+  </p:cSld>
+  <p:clrMapOvr>
+    <a:masterClrMapping/>
+  </p:clrMapOvr>
+</p:sld>
+</file>
+
+<file path=ppt/slides/slide11.xml><?xml version="1.0" encoding="utf-8"?>
+<p:sld xmlns:a="http://schemas.openxmlformats.org/drawingml/2006/main" xmlns:r="http://schemas.openxmlformats.org/officeDocument/2006/relationships" xmlns:p="http://schemas.openxmlformats.org/presentationml/2006/main">
+  <p:cSld>
+    <p:spTree>
+      <p:nvGrpSpPr>
+        <p:cNvPr id="1" name=""/>
+        <p:cNvGrpSpPr/>
+        <p:nvPr/>
+      </p:nvGrpSpPr>
+      <p:grpSpPr>
+        <a:xfrm>
+          <a:off x="0" y="0"/>
+          <a:ext cx="0" cy="0"/>
+          <a:chOff x="0" y="0"/>
+          <a:chExt cx="0" cy="0"/>
+        </a:xfrm>
+      </p:grpSpPr>
+      <p:sp>
+        <p:nvSpPr>
+          <p:cNvPr id="2" name="Title 1">
+            <a:extLst>
+              <a:ext uri="{FF2B5EF4-FFF2-40B4-BE49-F238E27FC236}">
+                <a16:creationId xmlns:a16="http://schemas.microsoft.com/office/drawing/2014/main" id="{FEA04C58-EB9F-CF65-702F-636B6D42D59D}"/>
+              </a:ext>
+            </a:extLst>
+          </p:cNvPr>
+          <p:cNvSpPr>
+            <a:spLocks noGrp="1"/>
+          </p:cNvSpPr>
+          <p:nvPr>
+            <p:ph type="ctrTitle"/>
+          </p:nvPr>
+        </p:nvSpPr>
+        <p:spPr>
+          <a:xfrm>
+            <a:off x="1368451" y="476537"/>
+            <a:ext cx="10823549" cy="5811520"/>
+          </a:xfrm>
+        </p:spPr>
+        <p:txBody>
+          <a:bodyPr/>
+          <a:lstStyle/>
+          <a:p>
+            <a:pPr algn="l">
+              <a:lnSpc>
+                <a:spcPct val="150000"/>
+              </a:lnSpc>
+            </a:pPr>
+            <a:r>
+              <a:rPr lang="en-US" sz="1600" dirty="0">
+                <a:solidFill>
+                  <a:schemeClr val="tx1">
+                    <a:lumMod val="65000"/>
+                    <a:lumOff val="35000"/>
+                  </a:schemeClr>
+                </a:solidFill>
+              </a:rPr>
+              <a:t>Create a Recovery Services Vault</a:t>
+            </a:r>
+            <a:br>
+              <a:rPr kumimoji="0" lang="en-US" sz="1800" b="1" i="0" u="sng" strike="noStrike" kern="1200" cap="none" spc="0" normalizeH="0" baseline="0" noProof="0" dirty="0">
+                <a:ln>
+                  <a:noFill/>
+                </a:ln>
+                <a:solidFill>
+                  <a:srgbClr val="403152"/>
+                </a:solidFill>
+                <a:effectLst/>
+                <a:uLnTx/>
+                <a:uFillTx/>
+                <a:latin typeface="Aptos ExtraBold" panose="020B0004020202020204" pitchFamily="34" charset="0"/>
+                <a:ea typeface="MS Mincho" panose="02020609040205080304" pitchFamily="49" charset="-128"/>
+                <a:cs typeface="Arial" panose="020B0604020202020204" pitchFamily="34" charset="0"/>
+              </a:rPr>
+            </a:br>
+            <a:r>
+              <a:rPr lang="en-US" sz="1800" u="sng" cap="none" dirty="0">
+                <a:solidFill>
+                  <a:srgbClr val="403152"/>
+                </a:solidFill>
+                <a:latin typeface="Aptos ExtraBold" panose="020B0004020202020204" pitchFamily="34" charset="0"/>
+                <a:ea typeface="MS Mincho" panose="02020609040205080304" pitchFamily="49" charset="-128"/>
+                <a:cs typeface="Arial" panose="020B0604020202020204" pitchFamily="34" charset="0"/>
+              </a:rPr>
+              <a:t>Step 1. </a:t>
+            </a:r>
+            <a:r>
+              <a:rPr lang="en-US" sz="1800" dirty="0">
+                <a:latin typeface="Aptos ExtraBold" panose="020B0004020202020204" pitchFamily="34" charset="0"/>
+                <a:ea typeface="MS Mincho" panose="02020609040205080304" pitchFamily="49" charset="-128"/>
+                <a:cs typeface="Arial" panose="020B0604020202020204" pitchFamily="34" charset="0"/>
+              </a:rPr>
+              <a:t>Go to your Recovery Service Vault in the portal.</a:t>
+            </a:r>
+            <a:br>
+              <a:rPr lang="en-US" sz="1500" b="0" cap="none" dirty="0">
+                <a:solidFill>
+                  <a:prstClr val="white"/>
+                </a:solidFill>
+                <a:latin typeface="Univers"/>
+                <a:ea typeface="+mn-ea"/>
+                <a:cs typeface="+mn-cs"/>
+              </a:rPr>
+            </a:br>
+            <a:r>
+              <a:rPr lang="en-US" sz="1800" u="sng" cap="none" dirty="0">
+                <a:solidFill>
+                  <a:srgbClr val="403152"/>
+                </a:solidFill>
+                <a:latin typeface="Aptos ExtraBold" panose="020B0004020202020204" pitchFamily="34" charset="0"/>
+                <a:ea typeface="MS Mincho" panose="02020609040205080304" pitchFamily="49" charset="-128"/>
+                <a:cs typeface="Arial" panose="020B0604020202020204" pitchFamily="34" charset="0"/>
+              </a:rPr>
+              <a:t>Step 2.  </a:t>
+            </a:r>
+            <a:r>
+              <a:rPr lang="en-US" sz="1800" dirty="0">
+                <a:latin typeface="Aptos ExtraBold" panose="020B0004020202020204" pitchFamily="34" charset="0"/>
+                <a:ea typeface="MS Mincho" panose="02020609040205080304" pitchFamily="49" charset="-128"/>
+                <a:cs typeface="Arial" panose="020B0604020202020204" pitchFamily="34" charset="0"/>
+              </a:rPr>
+              <a:t>Create a New Vault</a:t>
+            </a:r>
+            <a:br>
+              <a:rPr lang="en-US" sz="1500" b="0" cap="none" dirty="0">
+                <a:solidFill>
+                  <a:prstClr val="white"/>
+                </a:solidFill>
+                <a:latin typeface="Univers"/>
+                <a:ea typeface="+mn-ea"/>
+                <a:cs typeface="+mn-cs"/>
+              </a:rPr>
+            </a:br>
+            <a:r>
+              <a:rPr lang="en-US" sz="1800" u="sng" cap="none" dirty="0">
+                <a:solidFill>
+                  <a:srgbClr val="403152"/>
+                </a:solidFill>
+                <a:latin typeface="Aptos ExtraBold" panose="020B0004020202020204" pitchFamily="34" charset="0"/>
+                <a:ea typeface="MS Mincho" panose="02020609040205080304" pitchFamily="49" charset="-128"/>
+                <a:cs typeface="Arial" panose="020B0604020202020204" pitchFamily="34" charset="0"/>
+              </a:rPr>
+              <a:t>Step3. </a:t>
+            </a:r>
+            <a:r>
+              <a:rPr lang="en-US" sz="1800" dirty="0">
+                <a:latin typeface="Aptos ExtraBold" panose="020B0004020202020204" pitchFamily="34" charset="0"/>
+                <a:ea typeface="MS Mincho" panose="02020609040205080304" pitchFamily="49" charset="-128"/>
+                <a:cs typeface="Arial" panose="020B0604020202020204" pitchFamily="34" charset="0"/>
+              </a:rPr>
+              <a:t>Configure the Backup </a:t>
+            </a:r>
+            <a:br>
+              <a:rPr lang="en-US" sz="1500" u="sng" cap="none" dirty="0">
+                <a:solidFill>
+                  <a:srgbClr val="403152"/>
+                </a:solidFill>
+                <a:latin typeface="Aptos ExtraBold" panose="020B0004020202020204" pitchFamily="34" charset="0"/>
+                <a:ea typeface="MS Mincho" panose="02020609040205080304" pitchFamily="49" charset="-128"/>
+                <a:cs typeface="Arial" panose="020B0604020202020204" pitchFamily="34" charset="0"/>
+              </a:rPr>
+            </a:br>
+            <a:r>
+              <a:rPr lang="en-US" sz="1800" dirty="0">
+                <a:latin typeface="Aptos ExtraBold" panose="020B0004020202020204" pitchFamily="34" charset="0"/>
+                <a:ea typeface="MS Mincho" panose="02020609040205080304" pitchFamily="49" charset="-128"/>
+                <a:cs typeface="Arial" panose="020B0604020202020204" pitchFamily="34" charset="0"/>
+              </a:rPr>
+              <a:t>Enter a Vault name , Resource group name for the Backup then Choose the Region</a:t>
+            </a:r>
+            <a:br>
+              <a:rPr lang="en-US" sz="1800" dirty="0">
+                <a:latin typeface="Aptos ExtraBold" panose="020B0004020202020204" pitchFamily="34" charset="0"/>
+                <a:ea typeface="MS Mincho" panose="02020609040205080304" pitchFamily="49" charset="-128"/>
+                <a:cs typeface="Arial" panose="020B0604020202020204" pitchFamily="34" charset="0"/>
+              </a:rPr>
+            </a:br>
+            <a:r>
+              <a:rPr lang="en-US" sz="1800" dirty="0">
+                <a:latin typeface="Aptos ExtraBold" panose="020B0004020202020204" pitchFamily="34" charset="0"/>
+                <a:ea typeface="MS Mincho" panose="02020609040205080304" pitchFamily="49" charset="-128"/>
+                <a:cs typeface="Arial" panose="020B0604020202020204" pitchFamily="34" charset="0"/>
+              </a:rPr>
+              <a:t>“Vault "and Hit "Create“.</a:t>
+            </a:r>
+            <a:br>
+              <a:rPr lang="en-US" sz="1500" b="0" cap="none" dirty="0">
+                <a:solidFill>
+                  <a:prstClr val="white"/>
+                </a:solidFill>
+                <a:latin typeface="Univers"/>
+                <a:ea typeface="+mn-ea"/>
+                <a:cs typeface="+mn-cs"/>
+              </a:rPr>
+            </a:br>
+            <a:r>
+              <a:rPr lang="en-US" sz="1800" dirty="0">
+                <a:solidFill>
+                  <a:schemeClr val="tx1">
+                    <a:lumMod val="65000"/>
+                    <a:lumOff val="35000"/>
+                  </a:schemeClr>
+                </a:solidFill>
+                <a:latin typeface="Aptos ExtraBold" panose="020B0004020202020204" pitchFamily="34" charset="0"/>
+                <a:ea typeface="MS Mincho" panose="02020609040205080304" pitchFamily="49" charset="-128"/>
+                <a:cs typeface="Arial" panose="020B0604020202020204" pitchFamily="34" charset="0"/>
+              </a:rPr>
+              <a:t>Configure Backup for the VM</a:t>
+            </a:r>
+            <a:br>
+              <a:rPr lang="en-US" sz="1600" dirty="0"/>
+            </a:br>
+            <a:r>
+              <a:rPr lang="en-US" sz="1800" u="sng" cap="none" dirty="0">
+                <a:solidFill>
+                  <a:srgbClr val="403152"/>
+                </a:solidFill>
+                <a:latin typeface="Aptos ExtraBold" panose="020B0004020202020204" pitchFamily="34" charset="0"/>
+                <a:ea typeface="MS Mincho" panose="02020609040205080304" pitchFamily="49" charset="-128"/>
+                <a:cs typeface="Arial" panose="020B0604020202020204" pitchFamily="34" charset="0"/>
+              </a:rPr>
+              <a:t>Step 1. </a:t>
+            </a:r>
+            <a:r>
+              <a:rPr lang="en-US" sz="1800" dirty="0">
+                <a:latin typeface="Aptos ExtraBold" panose="020B0004020202020204" pitchFamily="34" charset="0"/>
+                <a:ea typeface="MS Mincho" panose="02020609040205080304" pitchFamily="49" charset="-128"/>
+                <a:cs typeface="Arial" panose="020B0604020202020204" pitchFamily="34" charset="0"/>
+              </a:rPr>
+              <a:t>In the Recovery Services Vault, go to Backup.</a:t>
+            </a:r>
+            <a:br>
+              <a:rPr lang="en-US" sz="1500" b="0" cap="none" dirty="0">
+                <a:solidFill>
+                  <a:prstClr val="white"/>
+                </a:solidFill>
+                <a:latin typeface="Univers"/>
+                <a:ea typeface="+mn-ea"/>
+                <a:cs typeface="+mn-cs"/>
+              </a:rPr>
+            </a:br>
+            <a:r>
+              <a:rPr lang="en-US" sz="1800" u="sng" cap="none" dirty="0">
+                <a:solidFill>
+                  <a:srgbClr val="403152"/>
+                </a:solidFill>
+                <a:latin typeface="Aptos ExtraBold" panose="020B0004020202020204" pitchFamily="34" charset="0"/>
+                <a:ea typeface="MS Mincho" panose="02020609040205080304" pitchFamily="49" charset="-128"/>
+                <a:cs typeface="Arial" panose="020B0604020202020204" pitchFamily="34" charset="0"/>
+              </a:rPr>
+              <a:t>Step 2.  </a:t>
+            </a:r>
+            <a:r>
+              <a:rPr lang="en-US" sz="1800" dirty="0">
+                <a:latin typeface="Aptos ExtraBold" panose="020B0004020202020204" pitchFamily="34" charset="0"/>
+                <a:ea typeface="MS Mincho" panose="02020609040205080304" pitchFamily="49" charset="-128"/>
+                <a:cs typeface="Arial" panose="020B0604020202020204" pitchFamily="34" charset="0"/>
+              </a:rPr>
+              <a:t>Under "Where is your workload running?", select "Azure”.</a:t>
+            </a:r>
+            <a:br>
+              <a:rPr lang="en-US" sz="1500" b="0" cap="none" dirty="0">
+                <a:solidFill>
+                  <a:prstClr val="white"/>
+                </a:solidFill>
+                <a:latin typeface="Univers"/>
+                <a:ea typeface="+mn-ea"/>
+                <a:cs typeface="+mn-cs"/>
+              </a:rPr>
+            </a:br>
+            <a:r>
+              <a:rPr lang="en-US" sz="1800" u="sng" cap="none" dirty="0">
+                <a:solidFill>
+                  <a:srgbClr val="403152"/>
+                </a:solidFill>
+                <a:latin typeface="Aptos ExtraBold" panose="020B0004020202020204" pitchFamily="34" charset="0"/>
+                <a:ea typeface="MS Mincho" panose="02020609040205080304" pitchFamily="49" charset="-128"/>
+                <a:cs typeface="Arial" panose="020B0604020202020204" pitchFamily="34" charset="0"/>
+              </a:rPr>
+              <a:t>Step3. </a:t>
+            </a:r>
+            <a:r>
+              <a:rPr lang="en-US" sz="1800" dirty="0">
+                <a:latin typeface="Aptos ExtraBold" panose="020B0004020202020204" pitchFamily="34" charset="0"/>
+                <a:ea typeface="MS Mincho" panose="02020609040205080304" pitchFamily="49" charset="-128"/>
+                <a:cs typeface="Arial" panose="020B0604020202020204" pitchFamily="34" charset="0"/>
+              </a:rPr>
+              <a:t>Under "What do you want to back up?", choose "Azure Virtual Machine".</a:t>
+            </a:r>
+            <a:br>
+              <a:rPr lang="en-US" sz="1500" b="0" cap="none" dirty="0">
+                <a:solidFill>
+                  <a:prstClr val="white"/>
+                </a:solidFill>
+                <a:latin typeface="Univers"/>
+                <a:ea typeface="+mn-ea"/>
+                <a:cs typeface="+mn-cs"/>
+              </a:rPr>
+            </a:br>
+            <a:r>
+              <a:rPr lang="en-US" sz="1800" u="sng" cap="none" dirty="0">
+                <a:solidFill>
+                  <a:srgbClr val="403152"/>
+                </a:solidFill>
+                <a:latin typeface="Aptos ExtraBold" panose="020B0004020202020204" pitchFamily="34" charset="0"/>
+                <a:ea typeface="MS Mincho" panose="02020609040205080304" pitchFamily="49" charset="-128"/>
+                <a:cs typeface="Arial" panose="020B0604020202020204" pitchFamily="34" charset="0"/>
+              </a:rPr>
+              <a:t>Step4. </a:t>
+            </a:r>
+            <a:r>
+              <a:rPr lang="en-US" sz="1800" dirty="0">
+                <a:latin typeface="Aptos ExtraBold" panose="020B0004020202020204" pitchFamily="34" charset="0"/>
+                <a:ea typeface="MS Mincho" panose="02020609040205080304" pitchFamily="49" charset="-128"/>
+                <a:cs typeface="Arial" panose="020B0604020202020204" pitchFamily="34" charset="0"/>
+              </a:rPr>
+              <a:t>Select the VM you want to take Backup and click Enable Backup</a:t>
+            </a:r>
+            <a:br>
+              <a:rPr lang="en-US" sz="1500" b="0" u="sng" cap="none" dirty="0">
+                <a:solidFill>
+                  <a:prstClr val="white"/>
+                </a:solidFill>
+                <a:latin typeface="Univers"/>
+                <a:ea typeface="+mn-ea"/>
+                <a:cs typeface="+mn-cs"/>
+              </a:rPr>
+            </a:br>
+            <a:r>
+              <a:rPr lang="en-US" sz="1800" dirty="0">
+                <a:solidFill>
+                  <a:schemeClr val="tx1">
+                    <a:lumMod val="65000"/>
+                    <a:lumOff val="35000"/>
+                  </a:schemeClr>
+                </a:solidFill>
+                <a:latin typeface="Aptos ExtraBold" panose="020B0004020202020204" pitchFamily="34" charset="0"/>
+                <a:ea typeface="MS Mincho" panose="02020609040205080304" pitchFamily="49" charset="-128"/>
+                <a:cs typeface="Arial" panose="020B0604020202020204" pitchFamily="34" charset="0"/>
+              </a:rPr>
+              <a:t>Define Backup Policy</a:t>
+            </a:r>
+            <a:br>
+              <a:rPr lang="en-US" sz="1500" b="0" u="sng" cap="none" dirty="0">
+                <a:solidFill>
+                  <a:prstClr val="white"/>
+                </a:solidFill>
+                <a:latin typeface="Univers"/>
+                <a:ea typeface="+mn-ea"/>
+                <a:cs typeface="+mn-cs"/>
+              </a:rPr>
+            </a:br>
+            <a:r>
+              <a:rPr lang="en-US" sz="1800" u="sng" cap="none" dirty="0">
+                <a:solidFill>
+                  <a:srgbClr val="403152"/>
+                </a:solidFill>
+                <a:latin typeface="Aptos ExtraBold" panose="020B0004020202020204" pitchFamily="34" charset="0"/>
+                <a:ea typeface="MS Mincho" panose="02020609040205080304" pitchFamily="49" charset="-128"/>
+                <a:cs typeface="Arial" panose="020B0604020202020204" pitchFamily="34" charset="0"/>
+              </a:rPr>
+              <a:t>Step 1. </a:t>
+            </a:r>
+            <a:r>
+              <a:rPr lang="en-US" sz="1800" dirty="0">
+                <a:latin typeface="Aptos ExtraBold" panose="020B0004020202020204" pitchFamily="34" charset="0"/>
+                <a:ea typeface="MS Mincho" panose="02020609040205080304" pitchFamily="49" charset="-128"/>
+                <a:cs typeface="Arial" panose="020B0604020202020204" pitchFamily="34" charset="0"/>
+              </a:rPr>
+              <a:t>In the Backup Policy Section, click Create New.</a:t>
+            </a:r>
+            <a:br>
+              <a:rPr lang="en-US" sz="1500" b="0" cap="none" dirty="0">
+                <a:solidFill>
+                  <a:prstClr val="white"/>
+                </a:solidFill>
+                <a:latin typeface="Univers"/>
+                <a:ea typeface="+mn-ea"/>
+                <a:cs typeface="+mn-cs"/>
+              </a:rPr>
+            </a:br>
+            <a:r>
+              <a:rPr lang="en-US" sz="1800" u="sng" cap="none" dirty="0">
+                <a:solidFill>
+                  <a:srgbClr val="403152"/>
+                </a:solidFill>
+                <a:latin typeface="Aptos ExtraBold" panose="020B0004020202020204" pitchFamily="34" charset="0"/>
+                <a:ea typeface="MS Mincho" panose="02020609040205080304" pitchFamily="49" charset="-128"/>
+                <a:cs typeface="Arial" panose="020B0604020202020204" pitchFamily="34" charset="0"/>
+              </a:rPr>
+              <a:t>Step 2.   </a:t>
+            </a:r>
+            <a:r>
+              <a:rPr lang="en-US" sz="1800" dirty="0">
+                <a:latin typeface="Aptos ExtraBold" panose="020B0004020202020204" pitchFamily="34" charset="0"/>
+                <a:ea typeface="MS Mincho" panose="02020609040205080304" pitchFamily="49" charset="-128"/>
+                <a:cs typeface="Arial" panose="020B0604020202020204" pitchFamily="34" charset="0"/>
+              </a:rPr>
+              <a:t>Configure Backup Frequency and Retention Range then Click “ok”</a:t>
+            </a:r>
+            <a:br>
+              <a:rPr lang="en-US" sz="1500" b="0" u="sng" cap="none" dirty="0">
+                <a:solidFill>
+                  <a:prstClr val="white"/>
+                </a:solidFill>
+                <a:latin typeface="Univers"/>
+                <a:ea typeface="+mn-ea"/>
+                <a:cs typeface="+mn-cs"/>
+              </a:rPr>
+            </a:br>
+            <a:br>
+              <a:rPr lang="en-US" sz="1500" b="0" cap="none" dirty="0">
+                <a:solidFill>
+                  <a:prstClr val="white"/>
+                </a:solidFill>
+                <a:latin typeface="Univers"/>
+                <a:ea typeface="+mn-ea"/>
+                <a:cs typeface="+mn-cs"/>
+              </a:rPr>
+            </a:br>
+            <a:endParaRPr lang="en-US" sz="1500" b="0" cap="none" dirty="0">
+              <a:solidFill>
+                <a:prstClr val="white"/>
+              </a:solidFill>
+              <a:latin typeface="Univers"/>
+              <a:ea typeface="+mn-ea"/>
+              <a:cs typeface="+mn-cs"/>
+            </a:endParaRPr>
+          </a:p>
+        </p:txBody>
+      </p:sp>
+      <p:sp>
+        <p:nvSpPr>
+          <p:cNvPr id="3" name="Subtitle 2">
+            <a:extLst>
+              <a:ext uri="{FF2B5EF4-FFF2-40B4-BE49-F238E27FC236}">
+                <a16:creationId xmlns:a16="http://schemas.microsoft.com/office/drawing/2014/main" id="{F2CEA2AE-1BAC-06B1-C398-564398C49EDC}"/>
+              </a:ext>
+            </a:extLst>
+          </p:cNvPr>
+          <p:cNvSpPr>
+            <a:spLocks noGrp="1"/>
+          </p:cNvSpPr>
+          <p:nvPr>
+            <p:ph type="subTitle" idx="1"/>
+          </p:nvPr>
+        </p:nvSpPr>
+        <p:spPr>
+          <a:xfrm>
+            <a:off x="1288365" y="29497"/>
+            <a:ext cx="11119941" cy="447040"/>
+          </a:xfrm>
+        </p:spPr>
+        <p:txBody>
+          <a:bodyPr>
+            <a:normAutofit/>
+          </a:bodyPr>
+          <a:lstStyle/>
+          <a:p>
+            <a:r>
+              <a:rPr lang="en-US" sz="1800" b="1" u="sng" cap="all" dirty="0">
+                <a:solidFill>
+                  <a:schemeClr val="tx1">
+                    <a:lumMod val="65000"/>
+                    <a:lumOff val="35000"/>
+                  </a:schemeClr>
+                </a:solidFill>
+                <a:latin typeface="+mj-lt"/>
+                <a:ea typeface="+mj-ea"/>
+                <a:cs typeface="+mj-cs"/>
+              </a:rPr>
+              <a:t>Configure Backup Solution  Implementation to </a:t>
+            </a:r>
+            <a:r>
+              <a:rPr lang="en-US" sz="1800" b="1" u="sng" cap="all" dirty="0" err="1">
+                <a:solidFill>
+                  <a:schemeClr val="tx1">
+                    <a:lumMod val="65000"/>
+                    <a:lumOff val="35000"/>
+                  </a:schemeClr>
+                </a:solidFill>
+                <a:latin typeface="+mj-lt"/>
+                <a:ea typeface="+mj-ea"/>
+                <a:cs typeface="+mj-cs"/>
+              </a:rPr>
+              <a:t>vm</a:t>
+            </a:r>
+            <a:r>
+              <a:rPr lang="en-US" sz="1800" b="1" u="sng" cap="all" dirty="0">
+                <a:solidFill>
+                  <a:schemeClr val="tx1">
+                    <a:lumMod val="65000"/>
+                    <a:lumOff val="35000"/>
+                  </a:schemeClr>
+                </a:solidFill>
+                <a:latin typeface="+mj-lt"/>
+                <a:ea typeface="+mj-ea"/>
+                <a:cs typeface="+mj-cs"/>
+              </a:rPr>
+              <a:t> </a:t>
+            </a:r>
+          </a:p>
+        </p:txBody>
+      </p:sp>
+    </p:spTree>
+    <p:extLst>
+      <p:ext uri="{BB962C8B-B14F-4D97-AF65-F5344CB8AC3E}">
+        <p14:creationId xmlns:p14="http://schemas.microsoft.com/office/powerpoint/2010/main" val="3544617273"/>
+      </p:ext>
+    </p:extLst>
+  </p:cSld>
+  <p:clrMapOvr>
+    <a:masterClrMapping/>
+  </p:clrMapOvr>
+</p:sld>
+</file>
+
+<file path=ppt/slides/slide12.xml><?xml version="1.0" encoding="utf-8"?>
+<p:sld xmlns:a="http://schemas.openxmlformats.org/drawingml/2006/main" xmlns:r="http://schemas.openxmlformats.org/officeDocument/2006/relationships" xmlns:p="http://schemas.openxmlformats.org/presentationml/2006/main">
+  <p:cSld>
+    <p:spTree>
+      <p:nvGrpSpPr>
+        <p:cNvPr id="1" name=""/>
+        <p:cNvGrpSpPr/>
+        <p:nvPr/>
+      </p:nvGrpSpPr>
+      <p:grpSpPr>
+        <a:xfrm>
+          <a:off x="0" y="0"/>
+          <a:ext cx="0" cy="0"/>
+          <a:chOff x="0" y="0"/>
+          <a:chExt cx="0" cy="0"/>
+        </a:xfrm>
+      </p:grpSpPr>
+      <p:sp>
+        <p:nvSpPr>
+          <p:cNvPr id="2" name="Title 1">
+            <a:extLst>
+              <a:ext uri="{FF2B5EF4-FFF2-40B4-BE49-F238E27FC236}">
+                <a16:creationId xmlns:a16="http://schemas.microsoft.com/office/drawing/2014/main" id="{FEA04C58-EB9F-CF65-702F-636B6D42D59D}"/>
+              </a:ext>
+            </a:extLst>
+          </p:cNvPr>
+          <p:cNvSpPr>
+            <a:spLocks noGrp="1"/>
+          </p:cNvSpPr>
+          <p:nvPr>
+            <p:ph type="ctrTitle"/>
+          </p:nvPr>
+        </p:nvSpPr>
+        <p:spPr>
+          <a:xfrm>
+            <a:off x="1368451" y="387114"/>
+            <a:ext cx="11167678" cy="5811520"/>
+          </a:xfrm>
+        </p:spPr>
+        <p:txBody>
+          <a:bodyPr/>
+          <a:lstStyle/>
+          <a:p>
+            <a:pPr algn="l">
+              <a:lnSpc>
+                <a:spcPct val="150000"/>
+              </a:lnSpc>
+            </a:pPr>
+            <a:r>
+              <a:rPr lang="en-US" sz="1800" dirty="0">
+                <a:solidFill>
+                  <a:schemeClr val="tx1">
+                    <a:lumMod val="65000"/>
+                    <a:lumOff val="35000"/>
+                  </a:schemeClr>
+                </a:solidFill>
+                <a:latin typeface="Aptos ExtraBold" panose="020B0004020202020204" pitchFamily="34" charset="0"/>
+                <a:ea typeface="MS Mincho" panose="02020609040205080304" pitchFamily="49" charset="-128"/>
+                <a:cs typeface="Arial" panose="020B0604020202020204" pitchFamily="34" charset="0"/>
+              </a:rPr>
+              <a:t>Trigger a Backup</a:t>
+            </a:r>
+            <a:br>
+              <a:rPr lang="en-US" sz="1800" dirty="0">
+                <a:latin typeface="Aptos ExtraBold" panose="020B0004020202020204" pitchFamily="34" charset="0"/>
+                <a:ea typeface="MS Mincho" panose="02020609040205080304" pitchFamily="49" charset="-128"/>
+                <a:cs typeface="Arial" panose="020B0604020202020204" pitchFamily="34" charset="0"/>
+              </a:rPr>
+            </a:br>
+            <a:r>
+              <a:rPr lang="en-US" sz="1600" u="sng" cap="none" dirty="0">
+                <a:solidFill>
+                  <a:srgbClr val="403152"/>
+                </a:solidFill>
+                <a:latin typeface="Aptos ExtraBold" panose="020B0004020202020204" pitchFamily="34" charset="0"/>
+                <a:ea typeface="MS Mincho" panose="02020609040205080304" pitchFamily="49" charset="-128"/>
+                <a:cs typeface="Arial" panose="020B0604020202020204" pitchFamily="34" charset="0"/>
+              </a:rPr>
+              <a:t>Step 1. </a:t>
+            </a:r>
+            <a:r>
+              <a:rPr lang="en-US" sz="1800" dirty="0">
+                <a:latin typeface="Aptos ExtraBold" panose="020B0004020202020204" pitchFamily="34" charset="0"/>
+                <a:ea typeface="MS Mincho" panose="02020609040205080304" pitchFamily="49" charset="-128"/>
+                <a:cs typeface="Arial" panose="020B0604020202020204" pitchFamily="34" charset="0"/>
+              </a:rPr>
+              <a:t>Go to your Recovery Service Vault then Select Backup items.</a:t>
+            </a:r>
+            <a:br>
+              <a:rPr lang="en-US" sz="1800" dirty="0">
+                <a:latin typeface="Aptos ExtraBold" panose="020B0004020202020204" pitchFamily="34" charset="0"/>
+                <a:ea typeface="MS Mincho" panose="02020609040205080304" pitchFamily="49" charset="-128"/>
+                <a:cs typeface="Arial" panose="020B0604020202020204" pitchFamily="34" charset="0"/>
+              </a:rPr>
+            </a:br>
+            <a:r>
+              <a:rPr lang="en-US" sz="1600" u="sng" cap="none" dirty="0">
+                <a:solidFill>
+                  <a:srgbClr val="403152"/>
+                </a:solidFill>
+                <a:latin typeface="Aptos ExtraBold" panose="020B0004020202020204" pitchFamily="34" charset="0"/>
+                <a:ea typeface="MS Mincho" panose="02020609040205080304" pitchFamily="49" charset="-128"/>
+                <a:cs typeface="Arial" panose="020B0604020202020204" pitchFamily="34" charset="0"/>
+              </a:rPr>
+              <a:t>Step 2.  </a:t>
+            </a:r>
+            <a:r>
+              <a:rPr lang="en-US" sz="1800" dirty="0">
+                <a:latin typeface="Aptos ExtraBold" panose="020B0004020202020204" pitchFamily="34" charset="0"/>
+                <a:ea typeface="MS Mincho" panose="02020609040205080304" pitchFamily="49" charset="-128"/>
+                <a:cs typeface="Arial" panose="020B0604020202020204" pitchFamily="34" charset="0"/>
+              </a:rPr>
+              <a:t>select your VM and click Backup Now.</a:t>
+            </a:r>
+            <a:br>
+              <a:rPr lang="en-US" sz="1500" b="0" cap="none" dirty="0">
+                <a:solidFill>
+                  <a:prstClr val="white"/>
+                </a:solidFill>
+                <a:latin typeface="Univers"/>
+                <a:ea typeface="+mn-ea"/>
+                <a:cs typeface="+mn-cs"/>
+              </a:rPr>
+            </a:br>
+            <a:r>
+              <a:rPr lang="en-US" sz="1600" u="sng" cap="none" dirty="0">
+                <a:solidFill>
+                  <a:srgbClr val="403152"/>
+                </a:solidFill>
+                <a:latin typeface="Aptos ExtraBold" panose="020B0004020202020204" pitchFamily="34" charset="0"/>
+                <a:ea typeface="MS Mincho" panose="02020609040205080304" pitchFamily="49" charset="-128"/>
+                <a:cs typeface="Arial" panose="020B0604020202020204" pitchFamily="34" charset="0"/>
+              </a:rPr>
+              <a:t>Step3. </a:t>
+            </a:r>
+            <a:r>
+              <a:rPr lang="en-US" sz="1800" dirty="0">
+                <a:latin typeface="Aptos ExtraBold" panose="020B0004020202020204" pitchFamily="34" charset="0"/>
+                <a:ea typeface="MS Mincho" panose="02020609040205080304" pitchFamily="49" charset="-128"/>
+                <a:cs typeface="Arial" panose="020B0604020202020204" pitchFamily="34" charset="0"/>
+              </a:rPr>
+              <a:t>Choose Retention Period and confirm the Backup.</a:t>
+            </a:r>
+            <a:br>
+              <a:rPr lang="en-US" sz="1500" b="0" cap="none" dirty="0">
+                <a:solidFill>
+                  <a:prstClr val="white"/>
+                </a:solidFill>
+                <a:latin typeface="Univers"/>
+                <a:ea typeface="+mn-ea"/>
+                <a:cs typeface="+mn-cs"/>
+              </a:rPr>
+            </a:br>
+            <a:r>
+              <a:rPr lang="en-US" sz="1600" dirty="0">
+                <a:solidFill>
+                  <a:schemeClr val="tx1">
+                    <a:lumMod val="65000"/>
+                    <a:lumOff val="35000"/>
+                  </a:schemeClr>
+                </a:solidFill>
+              </a:rPr>
+              <a:t>Restore Backups</a:t>
+            </a:r>
+            <a:br>
+              <a:rPr lang="en-US" sz="1600" dirty="0"/>
+            </a:br>
+            <a:r>
+              <a:rPr lang="en-US" sz="1600" u="sng" cap="none" dirty="0">
+                <a:solidFill>
+                  <a:srgbClr val="403152"/>
+                </a:solidFill>
+                <a:latin typeface="Aptos ExtraBold" panose="020B0004020202020204" pitchFamily="34" charset="0"/>
+                <a:ea typeface="MS Mincho" panose="02020609040205080304" pitchFamily="49" charset="-128"/>
+                <a:cs typeface="Arial" panose="020B0604020202020204" pitchFamily="34" charset="0"/>
+              </a:rPr>
+              <a:t>Step 1</a:t>
+            </a:r>
+            <a:r>
+              <a:rPr kumimoji="0" lang="en-US" sz="1500" b="1" i="0" u="sng" strike="noStrike" kern="1200" cap="none" spc="0" normalizeH="0" baseline="0" noProof="0" dirty="0">
+                <a:ln>
+                  <a:noFill/>
+                </a:ln>
+                <a:solidFill>
+                  <a:srgbClr val="403152"/>
+                </a:solidFill>
+                <a:effectLst/>
+                <a:uLnTx/>
+                <a:uFillTx/>
+                <a:latin typeface="Aptos ExtraBold" panose="020B0004020202020204" pitchFamily="34" charset="0"/>
+                <a:ea typeface="MS Mincho" panose="02020609040205080304" pitchFamily="49" charset="-128"/>
+                <a:cs typeface="Arial" panose="020B0604020202020204" pitchFamily="34" charset="0"/>
+              </a:rPr>
+              <a:t>. </a:t>
+            </a:r>
+            <a:r>
+              <a:rPr lang="en-US" sz="1800" dirty="0">
+                <a:latin typeface="Aptos ExtraBold" panose="020B0004020202020204" pitchFamily="34" charset="0"/>
+                <a:ea typeface="MS Mincho" panose="02020609040205080304" pitchFamily="49" charset="-128"/>
+                <a:cs typeface="Arial" panose="020B0604020202020204" pitchFamily="34" charset="0"/>
+              </a:rPr>
+              <a:t>Go to your Recovery Service Vault then Select Backup items then Click "Restore VM".</a:t>
+            </a:r>
+            <a:br>
+              <a:rPr lang="en-US" sz="1500" b="0" cap="none" dirty="0">
+                <a:solidFill>
+                  <a:prstClr val="white"/>
+                </a:solidFill>
+                <a:latin typeface="Univers"/>
+                <a:ea typeface="+mn-ea"/>
+                <a:cs typeface="+mn-cs"/>
+              </a:rPr>
+            </a:br>
+            <a:r>
+              <a:rPr lang="en-US" sz="1600" u="sng" cap="none" dirty="0">
+                <a:solidFill>
+                  <a:srgbClr val="403152"/>
+                </a:solidFill>
+                <a:latin typeface="Aptos ExtraBold" panose="020B0004020202020204" pitchFamily="34" charset="0"/>
+                <a:ea typeface="MS Mincho" panose="02020609040205080304" pitchFamily="49" charset="-128"/>
+                <a:cs typeface="Arial" panose="020B0604020202020204" pitchFamily="34" charset="0"/>
+              </a:rPr>
+              <a:t>Step 2.  </a:t>
+            </a:r>
+            <a:r>
+              <a:rPr lang="en-US" sz="1800" dirty="0">
+                <a:latin typeface="Aptos ExtraBold" panose="020B0004020202020204" pitchFamily="34" charset="0"/>
+                <a:ea typeface="MS Mincho" panose="02020609040205080304" pitchFamily="49" charset="-128"/>
+                <a:cs typeface="Arial" panose="020B0604020202020204" pitchFamily="34" charset="0"/>
+              </a:rPr>
+              <a:t>Choose the restore point and restore the entire VM or only disks..</a:t>
+            </a:r>
+            <a:br>
+              <a:rPr lang="en-US" sz="1500" b="0" cap="none" dirty="0">
+                <a:solidFill>
+                  <a:prstClr val="white"/>
+                </a:solidFill>
+                <a:latin typeface="Univers"/>
+                <a:ea typeface="+mn-ea"/>
+                <a:cs typeface="+mn-cs"/>
+              </a:rPr>
+            </a:br>
+            <a:r>
+              <a:rPr lang="en-US" sz="1600" u="sng" cap="none" dirty="0">
+                <a:solidFill>
+                  <a:srgbClr val="403152"/>
+                </a:solidFill>
+                <a:latin typeface="Aptos ExtraBold" panose="020B0004020202020204" pitchFamily="34" charset="0"/>
+                <a:ea typeface="MS Mincho" panose="02020609040205080304" pitchFamily="49" charset="-128"/>
+                <a:cs typeface="Arial" panose="020B0604020202020204" pitchFamily="34" charset="0"/>
+              </a:rPr>
+              <a:t>Step3.  </a:t>
+            </a:r>
+            <a:r>
+              <a:rPr lang="en-US" sz="1800" dirty="0">
+                <a:latin typeface="Aptos ExtraBold" panose="020B0004020202020204" pitchFamily="34" charset="0"/>
+                <a:ea typeface="MS Mincho" panose="02020609040205080304" pitchFamily="49" charset="-128"/>
+                <a:cs typeface="Arial" panose="020B0604020202020204" pitchFamily="34" charset="0"/>
+              </a:rPr>
+              <a:t>Select a recovery point to restore from it.</a:t>
+            </a:r>
+            <a:br>
+              <a:rPr lang="en-US" sz="1500" b="0" cap="none" dirty="0">
+                <a:solidFill>
+                  <a:prstClr val="white"/>
+                </a:solidFill>
+                <a:latin typeface="Univers"/>
+                <a:ea typeface="+mn-ea"/>
+                <a:cs typeface="+mn-cs"/>
+              </a:rPr>
+            </a:br>
+            <a:r>
+              <a:rPr lang="en-US" sz="1600" u="sng" cap="none" dirty="0">
+                <a:solidFill>
+                  <a:srgbClr val="403152"/>
+                </a:solidFill>
+                <a:latin typeface="Aptos ExtraBold" panose="020B0004020202020204" pitchFamily="34" charset="0"/>
+                <a:ea typeface="MS Mincho" panose="02020609040205080304" pitchFamily="49" charset="-128"/>
+                <a:cs typeface="Arial" panose="020B0604020202020204" pitchFamily="34" charset="0"/>
+              </a:rPr>
+              <a:t>Step4.  </a:t>
+            </a:r>
+            <a:r>
+              <a:rPr lang="en-US" sz="1800" dirty="0">
+                <a:latin typeface="Aptos ExtraBold" panose="020B0004020202020204" pitchFamily="34" charset="0"/>
+                <a:ea typeface="MS Mincho" panose="02020609040205080304" pitchFamily="49" charset="-128"/>
+                <a:cs typeface="Arial" panose="020B0604020202020204" pitchFamily="34" charset="0"/>
+              </a:rPr>
+              <a:t>download the Script to browse recovery files then it will automate a password  .</a:t>
+            </a:r>
+            <a:br>
+              <a:rPr lang="en-US" sz="1500" b="0" cap="none" dirty="0">
+                <a:solidFill>
+                  <a:prstClr val="white"/>
+                </a:solidFill>
+                <a:latin typeface="Univers"/>
+                <a:ea typeface="+mn-ea"/>
+                <a:cs typeface="+mn-cs"/>
+              </a:rPr>
+            </a:br>
+            <a:r>
+              <a:rPr lang="en-US" sz="1600" u="sng" cap="none" dirty="0">
+                <a:solidFill>
+                  <a:srgbClr val="403152"/>
+                </a:solidFill>
+                <a:latin typeface="Aptos ExtraBold" panose="020B0004020202020204" pitchFamily="34" charset="0"/>
+                <a:ea typeface="MS Mincho" panose="02020609040205080304" pitchFamily="49" charset="-128"/>
+                <a:cs typeface="Arial" panose="020B0604020202020204" pitchFamily="34" charset="0"/>
+              </a:rPr>
+              <a:t>Step5.  </a:t>
+            </a:r>
+            <a:r>
+              <a:rPr lang="en-US" sz="1800" dirty="0">
+                <a:latin typeface="Aptos ExtraBold" panose="020B0004020202020204" pitchFamily="34" charset="0"/>
+                <a:ea typeface="MS Mincho" panose="02020609040205080304" pitchFamily="49" charset="-128"/>
+                <a:cs typeface="Arial" panose="020B0604020202020204" pitchFamily="34" charset="0"/>
+              </a:rPr>
+              <a:t>run the script on the VM then type the password u will find your backup .</a:t>
+            </a:r>
+            <a:br>
+              <a:rPr lang="en-US" sz="1500" b="0" cap="none" dirty="0">
+                <a:solidFill>
+                  <a:prstClr val="white"/>
+                </a:solidFill>
+                <a:latin typeface="Univers"/>
+                <a:ea typeface="+mn-ea"/>
+                <a:cs typeface="+mn-cs"/>
+              </a:rPr>
+            </a:br>
+            <a:br>
+              <a:rPr lang="en-US" sz="1500" b="0" u="sng" cap="none" dirty="0">
+                <a:solidFill>
+                  <a:prstClr val="white"/>
+                </a:solidFill>
+                <a:latin typeface="Univers"/>
+                <a:ea typeface="+mn-ea"/>
+                <a:cs typeface="+mn-cs"/>
+              </a:rPr>
+            </a:br>
+            <a:br>
+              <a:rPr lang="en-US" sz="1500" b="0" cap="none" dirty="0">
+                <a:solidFill>
+                  <a:prstClr val="white"/>
+                </a:solidFill>
+                <a:latin typeface="Univers"/>
+                <a:ea typeface="+mn-ea"/>
+                <a:cs typeface="+mn-cs"/>
+              </a:rPr>
+            </a:br>
+            <a:endParaRPr lang="en-US" sz="1500" b="0" cap="none" dirty="0">
+              <a:solidFill>
+                <a:prstClr val="white"/>
+              </a:solidFill>
+              <a:latin typeface="Univers"/>
+              <a:ea typeface="+mn-ea"/>
+              <a:cs typeface="+mn-cs"/>
+            </a:endParaRPr>
+          </a:p>
+        </p:txBody>
+      </p:sp>
+    </p:spTree>
+    <p:extLst>
+      <p:ext uri="{BB962C8B-B14F-4D97-AF65-F5344CB8AC3E}">
+        <p14:creationId xmlns:p14="http://schemas.microsoft.com/office/powerpoint/2010/main" val="3884222911"/>
+      </p:ext>
+    </p:extLst>
+  </p:cSld>
+  <p:clrMapOvr>
+    <a:masterClrMapping/>
+  </p:clrMapOvr>
+</p:sld>
+</file>
+
+<file path=ppt/slides/slide13.xml><?xml version="1.0" encoding="utf-8"?>
+<p:sld xmlns:a="http://schemas.openxmlformats.org/drawingml/2006/main" xmlns:r="http://schemas.openxmlformats.org/officeDocument/2006/relationships" xmlns:p="http://schemas.openxmlformats.org/presentationml/2006/main">
+  <p:cSld>
+    <p:spTree>
+      <p:nvGrpSpPr>
+        <p:cNvPr id="1" name=""/>
+        <p:cNvGrpSpPr/>
+        <p:nvPr/>
+      </p:nvGrpSpPr>
+      <p:grpSpPr>
+        <a:xfrm>
+          <a:off x="0" y="0"/>
+          <a:ext cx="0" cy="0"/>
+          <a:chOff x="0" y="0"/>
+          <a:chExt cx="0" cy="0"/>
+        </a:xfrm>
+      </p:grpSpPr>
+      <p:sp>
+        <p:nvSpPr>
+          <p:cNvPr id="2" name="Title 1">
+            <a:extLst>
+              <a:ext uri="{FF2B5EF4-FFF2-40B4-BE49-F238E27FC236}">
+                <a16:creationId xmlns:a16="http://schemas.microsoft.com/office/drawing/2014/main" id="{FEA04C58-EB9F-CF65-702F-636B6D42D59D}"/>
+              </a:ext>
+            </a:extLst>
+          </p:cNvPr>
+          <p:cNvSpPr>
+            <a:spLocks noGrp="1"/>
+          </p:cNvSpPr>
+          <p:nvPr>
+            <p:ph type="ctrTitle"/>
+          </p:nvPr>
+        </p:nvSpPr>
+        <p:spPr>
+          <a:xfrm>
+            <a:off x="1368451" y="523240"/>
+            <a:ext cx="10823549" cy="5811520"/>
+          </a:xfrm>
+        </p:spPr>
+        <p:txBody>
+          <a:bodyPr/>
+          <a:lstStyle/>
+          <a:p>
+            <a:pPr algn="l">
+              <a:lnSpc>
+                <a:spcPct val="150000"/>
+              </a:lnSpc>
+            </a:pPr>
+            <a:r>
+              <a:rPr lang="en-US" sz="1800" dirty="0">
+                <a:solidFill>
+                  <a:schemeClr val="tx1">
+                    <a:lumMod val="65000"/>
+                    <a:lumOff val="35000"/>
+                  </a:schemeClr>
+                </a:solidFill>
+                <a:latin typeface="Aptos ExtraBold" panose="020B0004020202020204" pitchFamily="34" charset="0"/>
+                <a:ea typeface="MS Mincho" panose="02020609040205080304" pitchFamily="49" charset="-128"/>
+                <a:cs typeface="Arial" panose="020B0604020202020204" pitchFamily="34" charset="0"/>
+              </a:rPr>
+              <a:t>Create a Recovery Services Vault</a:t>
+            </a:r>
+            <a:br>
+              <a:rPr kumimoji="0" lang="en-US" sz="1800" b="1" i="0" u="sng" strike="noStrike" kern="1200" cap="none" spc="0" normalizeH="0" baseline="0" noProof="0" dirty="0">
+                <a:ln>
+                  <a:noFill/>
+                </a:ln>
+                <a:solidFill>
+                  <a:srgbClr val="403152"/>
+                </a:solidFill>
+                <a:effectLst/>
+                <a:uLnTx/>
+                <a:uFillTx/>
+                <a:latin typeface="Aptos ExtraBold" panose="020B0004020202020204" pitchFamily="34" charset="0"/>
+                <a:ea typeface="MS Mincho" panose="02020609040205080304" pitchFamily="49" charset="-128"/>
+                <a:cs typeface="Arial" panose="020B0604020202020204" pitchFamily="34" charset="0"/>
+              </a:rPr>
+            </a:br>
+            <a:r>
+              <a:rPr kumimoji="0" lang="en-US" sz="1500" b="1" i="0" u="sng" strike="noStrike" kern="1200" cap="none" spc="0" normalizeH="0" baseline="0" noProof="0" dirty="0">
+                <a:ln>
+                  <a:noFill/>
+                </a:ln>
+                <a:solidFill>
+                  <a:srgbClr val="403152"/>
+                </a:solidFill>
+                <a:effectLst/>
+                <a:uLnTx/>
+                <a:uFillTx/>
+                <a:latin typeface="Aptos ExtraBold" panose="020B0004020202020204" pitchFamily="34" charset="0"/>
+                <a:ea typeface="MS Mincho" panose="02020609040205080304" pitchFamily="49" charset="-128"/>
+                <a:cs typeface="Arial" panose="020B0604020202020204" pitchFamily="34" charset="0"/>
+              </a:rPr>
+              <a:t>Step 1. </a:t>
+            </a:r>
+            <a:r>
+              <a:rPr lang="en-US" sz="1800" dirty="0">
+                <a:latin typeface="Aptos ExtraBold" panose="020B0004020202020204" pitchFamily="34" charset="0"/>
+                <a:ea typeface="MS Mincho" panose="02020609040205080304" pitchFamily="49" charset="-128"/>
+                <a:cs typeface="Arial" panose="020B0604020202020204" pitchFamily="34" charset="0"/>
+              </a:rPr>
+              <a:t>Go to your Recovery Service Vault in the portal.</a:t>
+            </a:r>
+            <a:br>
+              <a:rPr lang="en-US" sz="1500" b="0" cap="none" dirty="0">
+                <a:solidFill>
+                  <a:prstClr val="white"/>
+                </a:solidFill>
+                <a:latin typeface="Univers"/>
+                <a:ea typeface="+mn-ea"/>
+                <a:cs typeface="+mn-cs"/>
+              </a:rPr>
+            </a:br>
+            <a:r>
+              <a:rPr lang="en-US" sz="1500" u="sng" cap="none" dirty="0">
+                <a:solidFill>
+                  <a:srgbClr val="403152"/>
+                </a:solidFill>
+                <a:latin typeface="Aptos ExtraBold" panose="020B0004020202020204" pitchFamily="34" charset="0"/>
+                <a:ea typeface="MS Mincho" panose="02020609040205080304" pitchFamily="49" charset="-128"/>
+                <a:cs typeface="Arial" panose="020B0604020202020204" pitchFamily="34" charset="0"/>
+              </a:rPr>
+              <a:t>Step 2.  </a:t>
+            </a:r>
+            <a:r>
+              <a:rPr lang="en-US" sz="1800" dirty="0">
+                <a:latin typeface="Aptos ExtraBold" panose="020B0004020202020204" pitchFamily="34" charset="0"/>
+                <a:ea typeface="MS Mincho" panose="02020609040205080304" pitchFamily="49" charset="-128"/>
+                <a:cs typeface="Arial" panose="020B0604020202020204" pitchFamily="34" charset="0"/>
+              </a:rPr>
+              <a:t>Create a New Vault</a:t>
+            </a:r>
+            <a:br>
+              <a:rPr lang="en-US" sz="1500" b="0" cap="none" dirty="0">
+                <a:solidFill>
+                  <a:prstClr val="white"/>
+                </a:solidFill>
+                <a:latin typeface="Univers"/>
+                <a:ea typeface="+mn-ea"/>
+                <a:cs typeface="+mn-cs"/>
+              </a:rPr>
+            </a:br>
+            <a:r>
+              <a:rPr lang="en-US" sz="1500" u="sng" cap="none" dirty="0">
+                <a:solidFill>
+                  <a:srgbClr val="403152"/>
+                </a:solidFill>
+                <a:latin typeface="Aptos ExtraBold" panose="020B0004020202020204" pitchFamily="34" charset="0"/>
+                <a:ea typeface="MS Mincho" panose="02020609040205080304" pitchFamily="49" charset="-128"/>
+                <a:cs typeface="Arial" panose="020B0604020202020204" pitchFamily="34" charset="0"/>
+              </a:rPr>
+              <a:t>Step3. </a:t>
+            </a:r>
+            <a:r>
+              <a:rPr lang="en-US" sz="1800" dirty="0">
+                <a:latin typeface="Aptos ExtraBold" panose="020B0004020202020204" pitchFamily="34" charset="0"/>
+                <a:ea typeface="MS Mincho" panose="02020609040205080304" pitchFamily="49" charset="-128"/>
+                <a:cs typeface="Arial" panose="020B0604020202020204" pitchFamily="34" charset="0"/>
+              </a:rPr>
+              <a:t>Configure the Backup </a:t>
+            </a:r>
+            <a:br>
+              <a:rPr lang="en-US" sz="1500" u="sng" cap="none" dirty="0">
+                <a:solidFill>
+                  <a:srgbClr val="403152"/>
+                </a:solidFill>
+                <a:latin typeface="Aptos ExtraBold" panose="020B0004020202020204" pitchFamily="34" charset="0"/>
+                <a:ea typeface="MS Mincho" panose="02020609040205080304" pitchFamily="49" charset="-128"/>
+                <a:cs typeface="Arial" panose="020B0604020202020204" pitchFamily="34" charset="0"/>
+              </a:rPr>
+            </a:br>
+            <a:r>
+              <a:rPr lang="en-US" sz="1800" dirty="0">
+                <a:latin typeface="Aptos ExtraBold" panose="020B0004020202020204" pitchFamily="34" charset="0"/>
+                <a:ea typeface="MS Mincho" panose="02020609040205080304" pitchFamily="49" charset="-128"/>
+                <a:cs typeface="Arial" panose="020B0604020202020204" pitchFamily="34" charset="0"/>
+              </a:rPr>
+              <a:t>Enter a Vault name , Resource group name for the Backup then Choose the Region</a:t>
+            </a:r>
+            <a:br>
+              <a:rPr lang="en-US" sz="1800" dirty="0">
+                <a:latin typeface="Aptos ExtraBold" panose="020B0004020202020204" pitchFamily="34" charset="0"/>
+                <a:ea typeface="MS Mincho" panose="02020609040205080304" pitchFamily="49" charset="-128"/>
+                <a:cs typeface="Arial" panose="020B0604020202020204" pitchFamily="34" charset="0"/>
+              </a:rPr>
+            </a:br>
+            <a:r>
+              <a:rPr lang="en-US" sz="1800" dirty="0">
+                <a:latin typeface="Aptos ExtraBold" panose="020B0004020202020204" pitchFamily="34" charset="0"/>
+                <a:ea typeface="MS Mincho" panose="02020609040205080304" pitchFamily="49" charset="-128"/>
+                <a:cs typeface="Arial" panose="020B0604020202020204" pitchFamily="34" charset="0"/>
+              </a:rPr>
+              <a:t>“Vault "and Hit "Create“.</a:t>
+            </a:r>
+            <a:br>
+              <a:rPr lang="en-US" sz="1500" b="0" cap="none" dirty="0">
+                <a:solidFill>
+                  <a:prstClr val="white"/>
+                </a:solidFill>
+                <a:latin typeface="Univers"/>
+                <a:ea typeface="+mn-ea"/>
+                <a:cs typeface="+mn-cs"/>
+              </a:rPr>
+            </a:br>
+            <a:r>
+              <a:rPr lang="en-US" sz="1800" dirty="0">
+                <a:solidFill>
+                  <a:schemeClr val="tx1">
+                    <a:lumMod val="65000"/>
+                    <a:lumOff val="35000"/>
+                  </a:schemeClr>
+                </a:solidFill>
+                <a:latin typeface="Aptos ExtraBold" panose="020B0004020202020204" pitchFamily="34" charset="0"/>
+                <a:ea typeface="MS Mincho" panose="02020609040205080304" pitchFamily="49" charset="-128"/>
+                <a:cs typeface="Arial" panose="020B0604020202020204" pitchFamily="34" charset="0"/>
+              </a:rPr>
+              <a:t>Configure Backup for the VM</a:t>
+            </a:r>
+            <a:br>
+              <a:rPr lang="en-US" sz="1600" dirty="0"/>
+            </a:br>
+            <a:r>
+              <a:rPr kumimoji="0" lang="en-US" sz="1500" b="1" i="0" u="sng" strike="noStrike" kern="1200" cap="none" spc="0" normalizeH="0" baseline="0" noProof="0" dirty="0">
+                <a:ln>
+                  <a:noFill/>
+                </a:ln>
+                <a:solidFill>
+                  <a:srgbClr val="403152"/>
+                </a:solidFill>
+                <a:effectLst/>
+                <a:uLnTx/>
+                <a:uFillTx/>
+                <a:latin typeface="Aptos ExtraBold" panose="020B0004020202020204" pitchFamily="34" charset="0"/>
+                <a:ea typeface="MS Mincho" panose="02020609040205080304" pitchFamily="49" charset="-128"/>
+                <a:cs typeface="Arial" panose="020B0604020202020204" pitchFamily="34" charset="0"/>
+              </a:rPr>
+              <a:t>Step 1. </a:t>
+            </a:r>
+            <a:r>
+              <a:rPr lang="en-US" sz="1800" dirty="0">
+                <a:latin typeface="Aptos ExtraBold" panose="020B0004020202020204" pitchFamily="34" charset="0"/>
+                <a:ea typeface="MS Mincho" panose="02020609040205080304" pitchFamily="49" charset="-128"/>
+                <a:cs typeface="Arial" panose="020B0604020202020204" pitchFamily="34" charset="0"/>
+              </a:rPr>
+              <a:t>In the Recovery Services Vault, go to Backup.</a:t>
+            </a:r>
+            <a:br>
+              <a:rPr lang="en-US" sz="1500" b="0" cap="none" dirty="0">
+                <a:solidFill>
+                  <a:prstClr val="white"/>
+                </a:solidFill>
+                <a:latin typeface="Univers"/>
+                <a:ea typeface="+mn-ea"/>
+                <a:cs typeface="+mn-cs"/>
+              </a:rPr>
+            </a:br>
+            <a:r>
+              <a:rPr lang="en-US" sz="1500" u="sng" cap="none" dirty="0">
+                <a:solidFill>
+                  <a:srgbClr val="403152"/>
+                </a:solidFill>
+                <a:latin typeface="Aptos ExtraBold" panose="020B0004020202020204" pitchFamily="34" charset="0"/>
+                <a:ea typeface="MS Mincho" panose="02020609040205080304" pitchFamily="49" charset="-128"/>
+                <a:cs typeface="Arial" panose="020B0604020202020204" pitchFamily="34" charset="0"/>
+              </a:rPr>
+              <a:t>Step 2.  </a:t>
+            </a:r>
+            <a:r>
+              <a:rPr lang="en-US" sz="1800" dirty="0">
+                <a:latin typeface="Aptos ExtraBold" panose="020B0004020202020204" pitchFamily="34" charset="0"/>
+                <a:ea typeface="MS Mincho" panose="02020609040205080304" pitchFamily="49" charset="-128"/>
+                <a:cs typeface="Arial" panose="020B0604020202020204" pitchFamily="34" charset="0"/>
+              </a:rPr>
+              <a:t>Under "Where is your workload running?", select "Azure”.</a:t>
+            </a:r>
+            <a:br>
+              <a:rPr lang="en-US" sz="1500" b="0" cap="none" dirty="0">
+                <a:solidFill>
+                  <a:prstClr val="white"/>
+                </a:solidFill>
+                <a:latin typeface="Univers"/>
+                <a:ea typeface="+mn-ea"/>
+                <a:cs typeface="+mn-cs"/>
+              </a:rPr>
+            </a:br>
+            <a:r>
+              <a:rPr lang="en-US" sz="1500" u="sng" cap="none" dirty="0">
+                <a:solidFill>
+                  <a:srgbClr val="403152"/>
+                </a:solidFill>
+                <a:latin typeface="Aptos ExtraBold" panose="020B0004020202020204" pitchFamily="34" charset="0"/>
+                <a:ea typeface="MS Mincho" panose="02020609040205080304" pitchFamily="49" charset="-128"/>
+                <a:cs typeface="Arial" panose="020B0604020202020204" pitchFamily="34" charset="0"/>
+              </a:rPr>
+              <a:t>Step3. </a:t>
+            </a:r>
+            <a:r>
+              <a:rPr lang="en-US" sz="1800" dirty="0">
+                <a:latin typeface="Aptos ExtraBold" panose="020B0004020202020204" pitchFamily="34" charset="0"/>
+                <a:ea typeface="MS Mincho" panose="02020609040205080304" pitchFamily="49" charset="-128"/>
+                <a:cs typeface="Arial" panose="020B0604020202020204" pitchFamily="34" charset="0"/>
+              </a:rPr>
+              <a:t>Under "What do you want to back up?", choose "Azure File Share".</a:t>
+            </a:r>
+            <a:br>
+              <a:rPr lang="en-US" sz="1500" b="0" cap="none" dirty="0">
+                <a:solidFill>
+                  <a:prstClr val="white"/>
+                </a:solidFill>
+                <a:latin typeface="Univers"/>
+                <a:ea typeface="+mn-ea"/>
+                <a:cs typeface="+mn-cs"/>
+              </a:rPr>
+            </a:br>
+            <a:r>
+              <a:rPr lang="en-US" sz="1500" u="sng" cap="none" dirty="0">
+                <a:solidFill>
+                  <a:srgbClr val="403152"/>
+                </a:solidFill>
+                <a:latin typeface="Aptos ExtraBold" panose="020B0004020202020204" pitchFamily="34" charset="0"/>
+                <a:ea typeface="MS Mincho" panose="02020609040205080304" pitchFamily="49" charset="-128"/>
+                <a:cs typeface="Arial" panose="020B0604020202020204" pitchFamily="34" charset="0"/>
+              </a:rPr>
+              <a:t>Step4. </a:t>
+            </a:r>
+            <a:r>
+              <a:rPr lang="en-US" sz="1800" dirty="0">
+                <a:latin typeface="Aptos ExtraBold" panose="020B0004020202020204" pitchFamily="34" charset="0"/>
+                <a:ea typeface="MS Mincho" panose="02020609040205080304" pitchFamily="49" charset="-128"/>
+                <a:cs typeface="Arial" panose="020B0604020202020204" pitchFamily="34" charset="0"/>
+              </a:rPr>
+              <a:t>Select the Storage Account you want to take Backup and click Enable Backup</a:t>
+            </a:r>
+            <a:br>
+              <a:rPr lang="en-US" sz="1800" dirty="0">
+                <a:latin typeface="Aptos ExtraBold" panose="020B0004020202020204" pitchFamily="34" charset="0"/>
+                <a:ea typeface="MS Mincho" panose="02020609040205080304" pitchFamily="49" charset="-128"/>
+                <a:cs typeface="Arial" panose="020B0604020202020204" pitchFamily="34" charset="0"/>
+              </a:rPr>
+            </a:br>
+            <a:r>
+              <a:rPr lang="en-US" sz="1800" dirty="0">
+                <a:solidFill>
+                  <a:schemeClr val="tx1">
+                    <a:lumMod val="65000"/>
+                    <a:lumOff val="35000"/>
+                  </a:schemeClr>
+                </a:solidFill>
+                <a:latin typeface="Aptos ExtraBold" panose="020B0004020202020204" pitchFamily="34" charset="0"/>
+                <a:ea typeface="MS Mincho" panose="02020609040205080304" pitchFamily="49" charset="-128"/>
+                <a:cs typeface="Arial" panose="020B0604020202020204" pitchFamily="34" charset="0"/>
+              </a:rPr>
+              <a:t>Define Backup Policy</a:t>
+            </a:r>
+            <a:br>
+              <a:rPr lang="en-US" sz="1500" b="0" u="sng" cap="none" dirty="0">
+                <a:solidFill>
+                  <a:prstClr val="white"/>
+                </a:solidFill>
+                <a:latin typeface="Univers"/>
+                <a:ea typeface="+mn-ea"/>
+                <a:cs typeface="+mn-cs"/>
+              </a:rPr>
+            </a:br>
+            <a:r>
+              <a:rPr kumimoji="0" lang="en-US" sz="1500" b="1" i="0" u="sng" strike="noStrike" kern="1200" cap="none" spc="0" normalizeH="0" baseline="0" noProof="0" dirty="0">
+                <a:ln>
+                  <a:noFill/>
+                </a:ln>
+                <a:solidFill>
+                  <a:srgbClr val="403152"/>
+                </a:solidFill>
+                <a:effectLst/>
+                <a:uLnTx/>
+                <a:uFillTx/>
+                <a:latin typeface="Aptos ExtraBold" panose="020B0004020202020204" pitchFamily="34" charset="0"/>
+                <a:ea typeface="MS Mincho" panose="02020609040205080304" pitchFamily="49" charset="-128"/>
+                <a:cs typeface="Arial" panose="020B0604020202020204" pitchFamily="34" charset="0"/>
+              </a:rPr>
+              <a:t>Step 1. </a:t>
+            </a:r>
+            <a:r>
+              <a:rPr lang="en-US" sz="1800" dirty="0">
+                <a:latin typeface="Aptos ExtraBold" panose="020B0004020202020204" pitchFamily="34" charset="0"/>
+                <a:ea typeface="MS Mincho" panose="02020609040205080304" pitchFamily="49" charset="-128"/>
+                <a:cs typeface="Arial" panose="020B0604020202020204" pitchFamily="34" charset="0"/>
+              </a:rPr>
+              <a:t>In the Backup Policy Section, click Create New.</a:t>
+            </a:r>
+            <a:br>
+              <a:rPr lang="en-US" sz="1500" b="0" cap="none" dirty="0">
+                <a:solidFill>
+                  <a:prstClr val="white"/>
+                </a:solidFill>
+                <a:latin typeface="Univers"/>
+                <a:ea typeface="+mn-ea"/>
+                <a:cs typeface="+mn-cs"/>
+              </a:rPr>
+            </a:br>
+            <a:r>
+              <a:rPr lang="en-US" sz="1500" u="sng" cap="none" dirty="0">
+                <a:solidFill>
+                  <a:srgbClr val="403152"/>
+                </a:solidFill>
+                <a:latin typeface="Aptos ExtraBold" panose="020B0004020202020204" pitchFamily="34" charset="0"/>
+                <a:ea typeface="MS Mincho" panose="02020609040205080304" pitchFamily="49" charset="-128"/>
+                <a:cs typeface="Arial" panose="020B0604020202020204" pitchFamily="34" charset="0"/>
+              </a:rPr>
+              <a:t>Step 2.  </a:t>
+            </a:r>
+            <a:r>
+              <a:rPr lang="en-US" sz="1500" b="0" cap="none" dirty="0">
+                <a:solidFill>
+                  <a:prstClr val="white"/>
+                </a:solidFill>
+                <a:latin typeface="Univers"/>
+                <a:ea typeface="+mn-ea"/>
+                <a:cs typeface="+mn-cs"/>
+              </a:rPr>
+              <a:t> </a:t>
+            </a:r>
+            <a:r>
+              <a:rPr lang="en-US" sz="1800" dirty="0">
+                <a:latin typeface="Aptos ExtraBold" panose="020B0004020202020204" pitchFamily="34" charset="0"/>
+                <a:ea typeface="MS Mincho" panose="02020609040205080304" pitchFamily="49" charset="-128"/>
+                <a:cs typeface="Arial" panose="020B0604020202020204" pitchFamily="34" charset="0"/>
+              </a:rPr>
+              <a:t>Configure Backup Frequency and Retention Range then Click “ok”</a:t>
+            </a:r>
+            <a:br>
+              <a:rPr lang="en-US" sz="1800" dirty="0">
+                <a:latin typeface="Aptos ExtraBold" panose="020B0004020202020204" pitchFamily="34" charset="0"/>
+                <a:ea typeface="MS Mincho" panose="02020609040205080304" pitchFamily="49" charset="-128"/>
+                <a:cs typeface="Arial" panose="020B0604020202020204" pitchFamily="34" charset="0"/>
+              </a:rPr>
+            </a:br>
+            <a:br>
+              <a:rPr lang="en-US" sz="1500" b="0" cap="none" dirty="0">
+                <a:solidFill>
+                  <a:prstClr val="white"/>
+                </a:solidFill>
+                <a:latin typeface="Univers"/>
+                <a:ea typeface="+mn-ea"/>
+                <a:cs typeface="+mn-cs"/>
+              </a:rPr>
+            </a:br>
+            <a:endParaRPr lang="en-US" sz="1500" b="0" cap="none" dirty="0">
+              <a:solidFill>
+                <a:prstClr val="white"/>
+              </a:solidFill>
+              <a:latin typeface="Univers"/>
+              <a:ea typeface="+mn-ea"/>
+              <a:cs typeface="+mn-cs"/>
+            </a:endParaRPr>
+          </a:p>
+        </p:txBody>
+      </p:sp>
+      <p:sp>
+        <p:nvSpPr>
+          <p:cNvPr id="3" name="Subtitle 2">
+            <a:extLst>
+              <a:ext uri="{FF2B5EF4-FFF2-40B4-BE49-F238E27FC236}">
+                <a16:creationId xmlns:a16="http://schemas.microsoft.com/office/drawing/2014/main" id="{F2CEA2AE-1BAC-06B1-C398-564398C49EDC}"/>
+              </a:ext>
+            </a:extLst>
+          </p:cNvPr>
+          <p:cNvSpPr>
+            <a:spLocks noGrp="1"/>
+          </p:cNvSpPr>
+          <p:nvPr>
+            <p:ph type="subTitle" idx="1"/>
+          </p:nvPr>
+        </p:nvSpPr>
+        <p:spPr>
+          <a:xfrm>
+            <a:off x="1368451" y="76200"/>
+            <a:ext cx="11119941" cy="447040"/>
+          </a:xfrm>
+        </p:spPr>
+        <p:txBody>
+          <a:bodyPr>
+            <a:normAutofit/>
+          </a:bodyPr>
+          <a:lstStyle/>
+          <a:p>
+            <a:r>
+              <a:rPr lang="en-US" sz="1800" b="1" u="sng" cap="all" dirty="0">
+                <a:solidFill>
+                  <a:schemeClr val="tx1">
+                    <a:lumMod val="65000"/>
+                    <a:lumOff val="35000"/>
+                  </a:schemeClr>
+                </a:solidFill>
+                <a:latin typeface="+mj-lt"/>
+                <a:ea typeface="+mj-ea"/>
+                <a:cs typeface="+mj-cs"/>
+              </a:rPr>
+              <a:t>Configure Backup Solution  Implementation to File share </a:t>
+            </a:r>
+          </a:p>
+        </p:txBody>
+      </p:sp>
+    </p:spTree>
+    <p:extLst>
+      <p:ext uri="{BB962C8B-B14F-4D97-AF65-F5344CB8AC3E}">
+        <p14:creationId xmlns:p14="http://schemas.microsoft.com/office/powerpoint/2010/main" val="1720086032"/>
+      </p:ext>
+    </p:extLst>
+  </p:cSld>
+  <p:clrMapOvr>
+    <a:masterClrMapping/>
+  </p:clrMapOvr>
+</p:sld>
+</file>
+
+<file path=ppt/slides/slide14.xml><?xml version="1.0" encoding="utf-8"?>
+<p:sld xmlns:a="http://schemas.openxmlformats.org/drawingml/2006/main" xmlns:r="http://schemas.openxmlformats.org/officeDocument/2006/relationships" xmlns:p="http://schemas.openxmlformats.org/presentationml/2006/main">
+  <p:cSld>
+    <p:spTree>
+      <p:nvGrpSpPr>
+        <p:cNvPr id="1" name=""/>
+        <p:cNvGrpSpPr/>
+        <p:nvPr/>
+      </p:nvGrpSpPr>
+      <p:grpSpPr>
+        <a:xfrm>
+          <a:off x="0" y="0"/>
+          <a:ext cx="0" cy="0"/>
+          <a:chOff x="0" y="0"/>
+          <a:chExt cx="0" cy="0"/>
+        </a:xfrm>
+      </p:grpSpPr>
+      <p:sp>
+        <p:nvSpPr>
+          <p:cNvPr id="2" name="Title 1">
+            <a:extLst>
+              <a:ext uri="{FF2B5EF4-FFF2-40B4-BE49-F238E27FC236}">
+                <a16:creationId xmlns:a16="http://schemas.microsoft.com/office/drawing/2014/main" id="{FEA04C58-EB9F-CF65-702F-636B6D42D59D}"/>
+              </a:ext>
+            </a:extLst>
+          </p:cNvPr>
+          <p:cNvSpPr>
+            <a:spLocks noGrp="1"/>
+          </p:cNvSpPr>
+          <p:nvPr>
+            <p:ph type="ctrTitle"/>
+          </p:nvPr>
+        </p:nvSpPr>
+        <p:spPr>
+          <a:xfrm>
+            <a:off x="1368451" y="165888"/>
+            <a:ext cx="10823549" cy="5811520"/>
+          </a:xfrm>
+        </p:spPr>
+        <p:txBody>
+          <a:bodyPr/>
+          <a:lstStyle/>
+          <a:p>
+            <a:pPr algn="l">
+              <a:lnSpc>
+                <a:spcPct val="150000"/>
+              </a:lnSpc>
+            </a:pPr>
+            <a:r>
+              <a:rPr lang="en-US" sz="1800" dirty="0">
+                <a:solidFill>
+                  <a:schemeClr val="tx1">
+                    <a:lumMod val="65000"/>
+                    <a:lumOff val="35000"/>
+                  </a:schemeClr>
+                </a:solidFill>
+                <a:latin typeface="Aptos ExtraBold" panose="020B0004020202020204" pitchFamily="34" charset="0"/>
+                <a:ea typeface="MS Mincho" panose="02020609040205080304" pitchFamily="49" charset="-128"/>
+                <a:cs typeface="Arial" panose="020B0604020202020204" pitchFamily="34" charset="0"/>
+              </a:rPr>
+              <a:t>Enable Backup for Azure File Share</a:t>
+            </a:r>
+            <a:br>
+              <a:rPr lang="en-US" sz="1800" dirty="0">
+                <a:latin typeface="Aptos ExtraBold" panose="020B0004020202020204" pitchFamily="34" charset="0"/>
+                <a:ea typeface="MS Mincho" panose="02020609040205080304" pitchFamily="49" charset="-128"/>
+                <a:cs typeface="Arial" panose="020B0604020202020204" pitchFamily="34" charset="0"/>
+              </a:rPr>
+            </a:br>
+            <a:r>
+              <a:rPr kumimoji="0" lang="en-US" sz="1600" b="1" i="0" u="sng" strike="noStrike" kern="1200" cap="none" spc="0" normalizeH="0" baseline="0" noProof="0" dirty="0">
+                <a:ln>
+                  <a:noFill/>
+                </a:ln>
+                <a:solidFill>
+                  <a:srgbClr val="403152"/>
+                </a:solidFill>
+                <a:effectLst/>
+                <a:uLnTx/>
+                <a:uFillTx/>
+                <a:latin typeface="Aptos ExtraBold" panose="020B0004020202020204" pitchFamily="34" charset="0"/>
+                <a:ea typeface="MS Mincho" panose="02020609040205080304" pitchFamily="49" charset="-128"/>
+                <a:cs typeface="Arial" panose="020B0604020202020204" pitchFamily="34" charset="0"/>
+              </a:rPr>
+              <a:t>Step 1. </a:t>
+            </a:r>
+            <a:r>
+              <a:rPr lang="en-US" sz="1800" dirty="0">
+                <a:latin typeface="Aptos ExtraBold" panose="020B0004020202020204" pitchFamily="34" charset="0"/>
+                <a:ea typeface="MS Mincho" panose="02020609040205080304" pitchFamily="49" charset="-128"/>
+                <a:cs typeface="Arial" panose="020B0604020202020204" pitchFamily="34" charset="0"/>
+              </a:rPr>
+              <a:t>Under the File Shares section, click "Add".</a:t>
+            </a:r>
+            <a:br>
+              <a:rPr lang="en-US" sz="1500" b="0" cap="none" dirty="0">
+                <a:solidFill>
+                  <a:prstClr val="white"/>
+                </a:solidFill>
+                <a:latin typeface="Univers"/>
+                <a:ea typeface="+mn-ea"/>
+                <a:cs typeface="+mn-cs"/>
+              </a:rPr>
+            </a:br>
+            <a:r>
+              <a:rPr kumimoji="0" lang="en-US" sz="1600" b="1" i="0" u="sng" strike="noStrike" kern="1200" cap="none" spc="0" normalizeH="0" baseline="0" noProof="0" dirty="0">
+                <a:ln>
+                  <a:noFill/>
+                </a:ln>
+                <a:solidFill>
+                  <a:srgbClr val="403152"/>
+                </a:solidFill>
+                <a:effectLst/>
+                <a:uLnTx/>
+                <a:uFillTx/>
+                <a:latin typeface="Aptos ExtraBold" panose="020B0004020202020204" pitchFamily="34" charset="0"/>
+                <a:ea typeface="MS Mincho" panose="02020609040205080304" pitchFamily="49" charset="-128"/>
+                <a:cs typeface="Arial" panose="020B0604020202020204" pitchFamily="34" charset="0"/>
+              </a:rPr>
+              <a:t>Step 2. </a:t>
+            </a:r>
+            <a:r>
+              <a:rPr lang="en-US" sz="1600" dirty="0">
+                <a:latin typeface="Aptos ExtraBold" panose="020B0004020202020204" pitchFamily="34" charset="0"/>
+                <a:ea typeface="MS Mincho" panose="02020609040205080304" pitchFamily="49" charset="-128"/>
+                <a:cs typeface="Arial" panose="020B0604020202020204" pitchFamily="34" charset="0"/>
+              </a:rPr>
+              <a:t>Select the file share(s) you want to back up then Enable Backup.</a:t>
+            </a:r>
+            <a:br>
+              <a:rPr lang="en-US" sz="1600" b="0" cap="none" dirty="0">
+                <a:solidFill>
+                  <a:prstClr val="white"/>
+                </a:solidFill>
+                <a:latin typeface="Univers"/>
+                <a:ea typeface="+mn-ea"/>
+                <a:cs typeface="+mn-cs"/>
+              </a:rPr>
+            </a:br>
+            <a:r>
+              <a:rPr lang="en-US" sz="1800" dirty="0">
+                <a:solidFill>
+                  <a:schemeClr val="tx1">
+                    <a:lumMod val="65000"/>
+                    <a:lumOff val="35000"/>
+                  </a:schemeClr>
+                </a:solidFill>
+                <a:latin typeface="Aptos ExtraBold" panose="020B0004020202020204" pitchFamily="34" charset="0"/>
+                <a:ea typeface="MS Mincho" panose="02020609040205080304" pitchFamily="49" charset="-128"/>
+                <a:cs typeface="Arial" panose="020B0604020202020204" pitchFamily="34" charset="0"/>
+              </a:rPr>
+              <a:t>Restore Backups</a:t>
+            </a:r>
+            <a:br>
+              <a:rPr lang="en-US" sz="1600" dirty="0"/>
+            </a:br>
+            <a:r>
+              <a:rPr kumimoji="0" lang="en-US" sz="1600" b="1" i="0" u="sng" strike="noStrike" kern="1200" cap="none" spc="0" normalizeH="0" baseline="0" noProof="0" dirty="0">
+                <a:ln>
+                  <a:noFill/>
+                </a:ln>
+                <a:solidFill>
+                  <a:srgbClr val="403152"/>
+                </a:solidFill>
+                <a:effectLst/>
+                <a:uLnTx/>
+                <a:uFillTx/>
+                <a:latin typeface="Aptos ExtraBold" panose="020B0004020202020204" pitchFamily="34" charset="0"/>
+                <a:ea typeface="MS Mincho" panose="02020609040205080304" pitchFamily="49" charset="-128"/>
+                <a:cs typeface="Arial" panose="020B0604020202020204" pitchFamily="34" charset="0"/>
+              </a:rPr>
+              <a:t>Step 1. </a:t>
+            </a:r>
+            <a:r>
+              <a:rPr lang="en-US" sz="1400" dirty="0">
+                <a:latin typeface="Aptos ExtraBold" panose="020B0004020202020204" pitchFamily="34" charset="0"/>
+                <a:ea typeface="MS Mincho" panose="02020609040205080304" pitchFamily="49" charset="-128"/>
+                <a:cs typeface="Arial" panose="020B0604020202020204" pitchFamily="34" charset="0"/>
+              </a:rPr>
+              <a:t>Go to your Recovery Service Vault then Select Backup items then Click "Restore” for File Share.</a:t>
+            </a:r>
+            <a:br>
+              <a:rPr lang="en-US" sz="1500" b="0" cap="none" dirty="0">
+                <a:solidFill>
+                  <a:prstClr val="white"/>
+                </a:solidFill>
+                <a:latin typeface="Univers"/>
+                <a:ea typeface="+mn-ea"/>
+                <a:cs typeface="+mn-cs"/>
+              </a:rPr>
+            </a:br>
+            <a:r>
+              <a:rPr lang="en-US" sz="1600" u="sng" cap="none" dirty="0">
+                <a:solidFill>
+                  <a:srgbClr val="403152"/>
+                </a:solidFill>
+                <a:latin typeface="Aptos ExtraBold" panose="020B0004020202020204" pitchFamily="34" charset="0"/>
+                <a:ea typeface="MS Mincho" panose="02020609040205080304" pitchFamily="49" charset="-128"/>
+                <a:cs typeface="Arial" panose="020B0604020202020204" pitchFamily="34" charset="0"/>
+              </a:rPr>
+              <a:t>Step 2.  </a:t>
+            </a:r>
+            <a:r>
+              <a:rPr lang="en-US" sz="1800" dirty="0">
+                <a:latin typeface="Aptos ExtraBold" panose="020B0004020202020204" pitchFamily="34" charset="0"/>
+                <a:ea typeface="MS Mincho" panose="02020609040205080304" pitchFamily="49" charset="-128"/>
+                <a:cs typeface="Arial" panose="020B0604020202020204" pitchFamily="34" charset="0"/>
+              </a:rPr>
+              <a:t>Choose the restore point and restore individual files or the entire file share.</a:t>
+            </a:r>
+            <a:br>
+              <a:rPr lang="en-US" sz="1500" b="0" cap="none" dirty="0">
+                <a:solidFill>
+                  <a:prstClr val="white"/>
+                </a:solidFill>
+                <a:latin typeface="Univers"/>
+                <a:ea typeface="+mn-ea"/>
+                <a:cs typeface="+mn-cs"/>
+              </a:rPr>
+            </a:br>
+            <a:r>
+              <a:rPr lang="en-US" sz="1600" u="sng" cap="none" dirty="0">
+                <a:solidFill>
+                  <a:srgbClr val="403152"/>
+                </a:solidFill>
+                <a:latin typeface="Aptos ExtraBold" panose="020B0004020202020204" pitchFamily="34" charset="0"/>
+                <a:ea typeface="MS Mincho" panose="02020609040205080304" pitchFamily="49" charset="-128"/>
+                <a:cs typeface="Arial" panose="020B0604020202020204" pitchFamily="34" charset="0"/>
+              </a:rPr>
+              <a:t>Step 3.  </a:t>
+            </a:r>
+            <a:r>
+              <a:rPr lang="en-US" sz="1800" dirty="0">
+                <a:latin typeface="Aptos ExtraBold" panose="020B0004020202020204" pitchFamily="34" charset="0"/>
+                <a:ea typeface="MS Mincho" panose="02020609040205080304" pitchFamily="49" charset="-128"/>
+                <a:cs typeface="Arial" panose="020B0604020202020204" pitchFamily="34" charset="0"/>
+              </a:rPr>
+              <a:t>Go to Storage Account -&gt; file share &gt;select the backup </a:t>
+            </a:r>
+            <a:br>
+              <a:rPr lang="en-US" sz="1500" b="0" cap="none" dirty="0">
+                <a:solidFill>
+                  <a:prstClr val="white"/>
+                </a:solidFill>
+                <a:latin typeface="Univers"/>
+                <a:ea typeface="+mn-ea"/>
+                <a:cs typeface="+mn-cs"/>
+              </a:rPr>
+            </a:br>
+            <a:r>
+              <a:rPr lang="en-US" sz="1600" u="sng" cap="none" dirty="0">
+                <a:solidFill>
+                  <a:srgbClr val="403152"/>
+                </a:solidFill>
+                <a:latin typeface="Aptos ExtraBold" panose="020B0004020202020204" pitchFamily="34" charset="0"/>
+                <a:ea typeface="MS Mincho" panose="02020609040205080304" pitchFamily="49" charset="-128"/>
+                <a:cs typeface="Arial" panose="020B0604020202020204" pitchFamily="34" charset="0"/>
+              </a:rPr>
+              <a:t>Step 4.  </a:t>
+            </a:r>
+            <a:r>
+              <a:rPr lang="en-US" sz="1600" dirty="0">
+                <a:latin typeface="Aptos ExtraBold" panose="020B0004020202020204" pitchFamily="34" charset="0"/>
+                <a:ea typeface="MS Mincho" panose="02020609040205080304" pitchFamily="49" charset="-128"/>
+                <a:cs typeface="Arial" panose="020B0604020202020204" pitchFamily="34" charset="0"/>
+              </a:rPr>
+              <a:t>select file recovery or restore share , then select restore point and restore location.</a:t>
+            </a:r>
+            <a:br>
+              <a:rPr lang="en-US" sz="1500" b="0" cap="none" dirty="0">
+                <a:solidFill>
+                  <a:prstClr val="white"/>
+                </a:solidFill>
+                <a:latin typeface="Univers"/>
+                <a:ea typeface="+mn-ea"/>
+                <a:cs typeface="+mn-cs"/>
+              </a:rPr>
+            </a:br>
+            <a:r>
+              <a:rPr lang="en-US" sz="1600" u="sng" cap="none" dirty="0">
+                <a:solidFill>
+                  <a:srgbClr val="403152"/>
+                </a:solidFill>
+                <a:latin typeface="Aptos ExtraBold" panose="020B0004020202020204" pitchFamily="34" charset="0"/>
+                <a:ea typeface="MS Mincho" panose="02020609040205080304" pitchFamily="49" charset="-128"/>
+                <a:cs typeface="Arial" panose="020B0604020202020204" pitchFamily="34" charset="0"/>
+              </a:rPr>
+              <a:t>Step 5.  </a:t>
+            </a:r>
+            <a:r>
+              <a:rPr lang="en-US" sz="1800" dirty="0">
+                <a:latin typeface="Aptos ExtraBold" panose="020B0004020202020204" pitchFamily="34" charset="0"/>
+                <a:ea typeface="MS Mincho" panose="02020609040205080304" pitchFamily="49" charset="-128"/>
+                <a:cs typeface="Arial" panose="020B0604020202020204" pitchFamily="34" charset="0"/>
+              </a:rPr>
+              <a:t>u can select files u want then Restore.</a:t>
+            </a:r>
+            <a:br>
+              <a:rPr lang="en-US" sz="1500" b="0" cap="none" dirty="0">
+                <a:solidFill>
+                  <a:prstClr val="white"/>
+                </a:solidFill>
+                <a:latin typeface="Univers"/>
+                <a:ea typeface="+mn-ea"/>
+                <a:cs typeface="+mn-cs"/>
+              </a:rPr>
+            </a:br>
+            <a:br>
+              <a:rPr lang="en-US" sz="1500" b="0" cap="none" dirty="0">
+                <a:solidFill>
+                  <a:prstClr val="white"/>
+                </a:solidFill>
+                <a:latin typeface="Univers"/>
+                <a:ea typeface="+mn-ea"/>
+                <a:cs typeface="+mn-cs"/>
+              </a:rPr>
+            </a:br>
+            <a:br>
+              <a:rPr lang="en-US" sz="1500" b="0" cap="none" dirty="0">
+                <a:solidFill>
+                  <a:prstClr val="white"/>
+                </a:solidFill>
+                <a:latin typeface="Univers"/>
+                <a:ea typeface="+mn-ea"/>
+                <a:cs typeface="+mn-cs"/>
+              </a:rPr>
+            </a:br>
+            <a:br>
+              <a:rPr lang="en-US" sz="1500" b="0" cap="none" dirty="0">
+                <a:solidFill>
+                  <a:prstClr val="white"/>
+                </a:solidFill>
+                <a:latin typeface="Univers"/>
+                <a:ea typeface="+mn-ea"/>
+                <a:cs typeface="+mn-cs"/>
+              </a:rPr>
+            </a:br>
+            <a:br>
+              <a:rPr lang="en-US" sz="1500" b="0" cap="none" dirty="0">
+                <a:solidFill>
+                  <a:prstClr val="white"/>
+                </a:solidFill>
+                <a:latin typeface="Univers"/>
+                <a:ea typeface="+mn-ea"/>
+                <a:cs typeface="+mn-cs"/>
+              </a:rPr>
+            </a:br>
+            <a:br>
+              <a:rPr lang="en-US" sz="1500" b="0" cap="none" dirty="0">
+                <a:solidFill>
+                  <a:prstClr val="white"/>
+                </a:solidFill>
+                <a:latin typeface="Univers"/>
+                <a:ea typeface="+mn-ea"/>
+                <a:cs typeface="+mn-cs"/>
+              </a:rPr>
+            </a:br>
+            <a:br>
+              <a:rPr lang="en-US" sz="1500" b="0" cap="none" dirty="0">
+                <a:solidFill>
+                  <a:prstClr val="white"/>
+                </a:solidFill>
+                <a:latin typeface="Univers"/>
+                <a:ea typeface="+mn-ea"/>
+                <a:cs typeface="+mn-cs"/>
+              </a:rPr>
+            </a:br>
+            <a:br>
+              <a:rPr lang="en-US" sz="1500" b="0" cap="none" dirty="0">
+                <a:solidFill>
+                  <a:prstClr val="white"/>
+                </a:solidFill>
+                <a:latin typeface="Univers"/>
+                <a:ea typeface="+mn-ea"/>
+                <a:cs typeface="+mn-cs"/>
+              </a:rPr>
+            </a:br>
+            <a:br>
+              <a:rPr lang="en-US" sz="1500" b="0" cap="none" dirty="0">
+                <a:solidFill>
+                  <a:prstClr val="white"/>
+                </a:solidFill>
+                <a:latin typeface="Univers"/>
+                <a:ea typeface="+mn-ea"/>
+                <a:cs typeface="+mn-cs"/>
+              </a:rPr>
+            </a:br>
+            <a:br>
+              <a:rPr lang="en-US" sz="1500" b="0" u="sng" cap="none" dirty="0">
+                <a:solidFill>
+                  <a:prstClr val="white"/>
+                </a:solidFill>
+                <a:latin typeface="Univers"/>
+                <a:ea typeface="+mn-ea"/>
+                <a:cs typeface="+mn-cs"/>
+              </a:rPr>
+            </a:br>
+            <a:br>
+              <a:rPr lang="en-US" sz="1500" b="0" cap="none" dirty="0">
+                <a:solidFill>
+                  <a:prstClr val="white"/>
+                </a:solidFill>
+                <a:latin typeface="Univers"/>
+                <a:ea typeface="+mn-ea"/>
+                <a:cs typeface="+mn-cs"/>
+              </a:rPr>
+            </a:br>
+            <a:endParaRPr lang="en-US" sz="1500" b="0" cap="none" dirty="0">
+              <a:solidFill>
+                <a:prstClr val="white"/>
+              </a:solidFill>
+              <a:latin typeface="Univers"/>
+              <a:ea typeface="+mn-ea"/>
+              <a:cs typeface="+mn-cs"/>
+            </a:endParaRPr>
+          </a:p>
+        </p:txBody>
+      </p:sp>
+    </p:spTree>
+    <p:extLst>
+      <p:ext uri="{BB962C8B-B14F-4D97-AF65-F5344CB8AC3E}">
+        <p14:creationId xmlns:p14="http://schemas.microsoft.com/office/powerpoint/2010/main" val="2987628819"/>
+      </p:ext>
+    </p:extLst>
+  </p:cSld>
+  <p:clrMapOvr>
+    <a:masterClrMapping/>
+  </p:clrMapOvr>
+</p:sld>
+</file>
+
+<file path=ppt/slides/slide15.xml><?xml version="1.0" encoding="utf-8"?>
+<p:sld xmlns:a="http://schemas.openxmlformats.org/drawingml/2006/main" xmlns:r="http://schemas.openxmlformats.org/officeDocument/2006/relationships" xmlns:p="http://schemas.openxmlformats.org/presentationml/2006/main">
+  <p:cSld>
+    <p:spTree>
+      <p:nvGrpSpPr>
+        <p:cNvPr id="1" name=""/>
+        <p:cNvGrpSpPr/>
+        <p:nvPr/>
+      </p:nvGrpSpPr>
+      <p:grpSpPr>
+        <a:xfrm>
+          <a:off x="0" y="0"/>
+          <a:ext cx="0" cy="0"/>
+          <a:chOff x="0" y="0"/>
+          <a:chExt cx="0" cy="0"/>
+        </a:xfrm>
+      </p:grpSpPr>
+      <p:sp>
+        <p:nvSpPr>
+          <p:cNvPr id="4" name="Title 3">
+            <a:extLst>
+              <a:ext uri="{FF2B5EF4-FFF2-40B4-BE49-F238E27FC236}">
+                <a16:creationId xmlns:a16="http://schemas.microsoft.com/office/drawing/2014/main" id="{95698432-2D58-D940-A0AE-7748E2A4879B}"/>
+              </a:ext>
+            </a:extLst>
+          </p:cNvPr>
+          <p:cNvSpPr>
+            <a:spLocks noGrp="1"/>
+          </p:cNvSpPr>
+          <p:nvPr>
+            <p:ph type="ctrTitle"/>
+          </p:nvPr>
+        </p:nvSpPr>
+        <p:spPr/>
+        <p:txBody>
+          <a:bodyPr/>
+          <a:lstStyle/>
+          <a:p>
+            <a:r>
+              <a:rPr lang="en-US" dirty="0"/>
+              <a:t>Thank you</a:t>
+            </a:r>
+          </a:p>
+        </p:txBody>
+      </p:sp>
+      <p:sp>
+        <p:nvSpPr>
+          <p:cNvPr id="7" name="Subtitle 6">
+            <a:extLst>
+              <a:ext uri="{FF2B5EF4-FFF2-40B4-BE49-F238E27FC236}">
+                <a16:creationId xmlns:a16="http://schemas.microsoft.com/office/drawing/2014/main" id="{4C780BDD-62B7-3E51-C2DE-09259F62CC03}"/>
+              </a:ext>
+            </a:extLst>
+          </p:cNvPr>
+          <p:cNvSpPr>
+            <a:spLocks noGrp="1"/>
+          </p:cNvSpPr>
+          <p:nvPr>
+            <p:ph type="subTitle" idx="1"/>
+          </p:nvPr>
+        </p:nvSpPr>
+        <p:spPr/>
+        <p:txBody>
+          <a:bodyPr/>
+          <a:lstStyle/>
+          <a:p>
+            <a:endParaRPr lang="en-US" dirty="0"/>
+          </a:p>
+        </p:txBody>
+      </p:sp>
+    </p:spTree>
+    <p:extLst>
+      <p:ext uri="{BB962C8B-B14F-4D97-AF65-F5344CB8AC3E}">
+        <p14:creationId xmlns:p14="http://schemas.microsoft.com/office/powerpoint/2010/main" val="3749168723"/>
+      </p:ext>
+    </p:extLst>
+  </p:cSld>
+  <p:clrMapOvr>
+    <a:masterClrMapping/>
+  </p:clrMapOvr>
+</p:sld>
+</file>
+
 <file path=ppt/slides/slide2.xml><?xml version="1.0" encoding="utf-8"?>
 <p:sld xmlns:a="http://schemas.openxmlformats.org/drawingml/2006/main" xmlns:r="http://schemas.openxmlformats.org/officeDocument/2006/relationships" xmlns:p="http://schemas.openxmlformats.org/presentationml/2006/main">
   <p:cSld>
@@ -15452,13 +17717,7 @@
       </p:grpSpPr>
       <p:sp>
         <p:nvSpPr>
-          <p:cNvPr id="4" name="Title 3">
-            <a:extLst>
-              <a:ext uri="{FF2B5EF4-FFF2-40B4-BE49-F238E27FC236}">
-                <a16:creationId xmlns:a16="http://schemas.microsoft.com/office/drawing/2014/main" id="{95698432-2D58-D940-A0AE-7748E2A4879B}"/>
-              </a:ext>
-            </a:extLst>
-          </p:cNvPr>
+          <p:cNvPr id="2" name="Title 1"/>
           <p:cNvSpPr>
             <a:spLocks noGrp="1"/>
           </p:cNvSpPr>
@@ -15466,27 +17725,37 @@
             <p:ph type="ctrTitle"/>
           </p:nvPr>
         </p:nvSpPr>
-        <p:spPr/>
+        <p:spPr>
+          <a:xfrm>
+            <a:off x="1280159" y="640080"/>
+            <a:ext cx="10302240" cy="1076960"/>
+          </a:xfrm>
+        </p:spPr>
         <p:txBody>
           <a:bodyPr/>
           <a:lstStyle/>
           <a:p>
             <a:r>
-              <a:rPr lang="en-US" dirty="0"/>
-              <a:t>Thank you</a:t>
-            </a:r>
+              <a:rPr lang="en-US" sz="2000" u="sng" dirty="0">
+                <a:solidFill>
+                  <a:srgbClr val="403152"/>
+                </a:solidFill>
+                <a:latin typeface="Aptos ExtraBold" panose="020B0004020202020204" pitchFamily="34" charset="0"/>
+                <a:ea typeface="MS Mincho" panose="02020609040205080304" pitchFamily="49" charset="-128"/>
+                <a:cs typeface="Arial" panose="020B0604020202020204" pitchFamily="34" charset="0"/>
+              </a:rPr>
+              <a:t>Creating an Azure Storage Account</a:t>
+            </a:r>
+            <a:br>
+              <a:rPr lang="en-US" sz="1800" u="sng" dirty="0"/>
+            </a:br>
+            <a:endParaRPr lang="en-US" sz="1800" u="sng" dirty="0"/>
           </a:p>
         </p:txBody>
       </p:sp>
       <p:sp>
         <p:nvSpPr>
-          <p:cNvPr id="7" name="Subtitle 6">
-            <a:extLst>
-              <a:ext uri="{FF2B5EF4-FFF2-40B4-BE49-F238E27FC236}">
-                <a16:creationId xmlns:a16="http://schemas.microsoft.com/office/drawing/2014/main" id="{4C780BDD-62B7-3E51-C2DE-09259F62CC03}"/>
-              </a:ext>
-            </a:extLst>
-          </p:cNvPr>
+          <p:cNvPr id="3" name="Subtitle 2"/>
           <p:cNvSpPr>
             <a:spLocks noGrp="1"/>
           </p:cNvSpPr>
@@ -15494,10 +17763,245 @@
             <p:ph type="subTitle" idx="1"/>
           </p:nvPr>
         </p:nvSpPr>
-        <p:spPr/>
+        <p:spPr>
+          <a:xfrm>
+            <a:off x="1314613" y="1270000"/>
+            <a:ext cx="10267786" cy="5395843"/>
+          </a:xfrm>
+        </p:spPr>
         <p:txBody>
-          <a:bodyPr/>
+          <a:bodyPr>
+            <a:normAutofit/>
+          </a:bodyPr>
           <a:lstStyle/>
+          <a:p>
+            <a:endParaRPr lang="en-US" dirty="0"/>
+          </a:p>
+          <a:p>
+            <a:r>
+              <a:rPr lang="en-US" sz="1900" b="1" u="sng" dirty="0">
+                <a:solidFill>
+                  <a:srgbClr val="403152"/>
+                </a:solidFill>
+                <a:latin typeface="Aptos ExtraBold" panose="020B0004020202020204" pitchFamily="34" charset="0"/>
+                <a:ea typeface="MS Mincho" panose="02020609040205080304" pitchFamily="49" charset="-128"/>
+                <a:cs typeface="Arial" panose="020B0604020202020204" pitchFamily="34" charset="0"/>
+              </a:rPr>
+              <a:t>Step 1.</a:t>
+            </a:r>
+            <a:r>
+              <a:rPr lang="en-US" b="1" u="sng" dirty="0">
+                <a:solidFill>
+                  <a:srgbClr val="403152"/>
+                </a:solidFill>
+                <a:latin typeface="Aptos ExtraBold" panose="020B0004020202020204" pitchFamily="34" charset="0"/>
+                <a:ea typeface="MS Mincho" panose="02020609040205080304" pitchFamily="49" charset="-128"/>
+                <a:cs typeface="Arial" panose="020B0604020202020204" pitchFamily="34" charset="0"/>
+              </a:rPr>
+              <a:t> </a:t>
+            </a:r>
+            <a:r>
+              <a:rPr lang="en-US" sz="1800" b="1" dirty="0">
+                <a:latin typeface="Aptos ExtraBold" panose="020B0004020202020204" pitchFamily="34" charset="0"/>
+                <a:ea typeface="MS Mincho" panose="02020609040205080304" pitchFamily="49" charset="-128"/>
+                <a:cs typeface="Arial" panose="020B0604020202020204" pitchFamily="34" charset="0"/>
+              </a:rPr>
+              <a:t>Log Into Azure - Go to Azure Portal and log in.</a:t>
+            </a:r>
+          </a:p>
+          <a:p>
+            <a:r>
+              <a:rPr lang="en-US" sz="1900" b="1" u="sng" dirty="0">
+                <a:solidFill>
+                  <a:srgbClr val="403152"/>
+                </a:solidFill>
+                <a:latin typeface="Aptos ExtraBold" panose="020B0004020202020204" pitchFamily="34" charset="0"/>
+                <a:ea typeface="MS Mincho" panose="02020609040205080304" pitchFamily="49" charset="-128"/>
+                <a:cs typeface="Arial" panose="020B0604020202020204" pitchFamily="34" charset="0"/>
+              </a:rPr>
+              <a:t>Step 2.</a:t>
+            </a:r>
+            <a:r>
+              <a:rPr lang="en-US" dirty="0"/>
+              <a:t> </a:t>
+            </a:r>
+            <a:r>
+              <a:rPr lang="en-US" sz="1800" b="1" dirty="0">
+                <a:latin typeface="Aptos ExtraBold" panose="020B0004020202020204" pitchFamily="34" charset="0"/>
+                <a:ea typeface="MS Mincho" panose="02020609040205080304" pitchFamily="49" charset="-128"/>
+                <a:cs typeface="Arial" panose="020B0604020202020204" pitchFamily="34" charset="0"/>
+              </a:rPr>
+              <a:t>Find Storage Accounts - Click 'Storage Accounts' on the left sidebar or </a:t>
+            </a:r>
+            <a:r>
+              <a:rPr lang="en-US" sz="2100" dirty="0"/>
+              <a:t>search for it.</a:t>
+            </a:r>
+          </a:p>
+          <a:p>
+            <a:r>
+              <a:rPr lang="en-US" sz="1900" b="1" u="sng" dirty="0">
+                <a:solidFill>
+                  <a:srgbClr val="403152"/>
+                </a:solidFill>
+                <a:latin typeface="Aptos ExtraBold" panose="020B0004020202020204" pitchFamily="34" charset="0"/>
+                <a:ea typeface="MS Mincho" panose="02020609040205080304" pitchFamily="49" charset="-128"/>
+                <a:cs typeface="Arial" panose="020B0604020202020204" pitchFamily="34" charset="0"/>
+              </a:rPr>
+              <a:t>Step 3.</a:t>
+            </a:r>
+            <a:r>
+              <a:rPr lang="en-US" b="1" u="sng" dirty="0">
+                <a:solidFill>
+                  <a:srgbClr val="403152"/>
+                </a:solidFill>
+                <a:latin typeface="Aptos ExtraBold" panose="020B0004020202020204" pitchFamily="34" charset="0"/>
+                <a:ea typeface="MS Mincho" panose="02020609040205080304" pitchFamily="49" charset="-128"/>
+                <a:cs typeface="Arial" panose="020B0604020202020204" pitchFamily="34" charset="0"/>
+              </a:rPr>
+              <a:t> </a:t>
+            </a:r>
+            <a:r>
+              <a:rPr lang="en-US" sz="1800" b="1" dirty="0">
+                <a:latin typeface="Aptos ExtraBold" panose="020B0004020202020204" pitchFamily="34" charset="0"/>
+                <a:ea typeface="MS Mincho" panose="02020609040205080304" pitchFamily="49" charset="-128"/>
+                <a:cs typeface="Arial" panose="020B0604020202020204" pitchFamily="34" charset="0"/>
+              </a:rPr>
+              <a:t>Create a New Storage Account - Click 'Create' to start.</a:t>
+            </a:r>
+          </a:p>
+          <a:p>
+            <a:pPr marL="796925" indent="-796925"/>
+            <a:r>
+              <a:rPr lang="en-US" sz="1900" b="1" u="sng" dirty="0">
+                <a:solidFill>
+                  <a:srgbClr val="403152"/>
+                </a:solidFill>
+                <a:latin typeface="Aptos ExtraBold" panose="020B0004020202020204" pitchFamily="34" charset="0"/>
+                <a:ea typeface="MS Mincho" panose="02020609040205080304" pitchFamily="49" charset="-128"/>
+                <a:cs typeface="Arial" panose="020B0604020202020204" pitchFamily="34" charset="0"/>
+              </a:rPr>
+              <a:t>Step 4. </a:t>
+            </a:r>
+            <a:r>
+              <a:rPr lang="en-US" sz="1800" b="1" dirty="0">
+                <a:latin typeface="Aptos ExtraBold" panose="020B0004020202020204" pitchFamily="34" charset="0"/>
+                <a:ea typeface="MS Mincho" panose="02020609040205080304" pitchFamily="49" charset="-128"/>
+                <a:cs typeface="Arial" panose="020B0604020202020204" pitchFamily="34" charset="0"/>
+              </a:rPr>
+              <a:t>Fill In Some Basic Info - Subscription, Resource Group, Account Name, Region, Performance, Replication.</a:t>
+            </a:r>
+          </a:p>
+          <a:p>
+            <a:r>
+              <a:rPr lang="en-US" sz="1900" b="1" u="sng" dirty="0">
+                <a:solidFill>
+                  <a:srgbClr val="403152"/>
+                </a:solidFill>
+                <a:latin typeface="Aptos ExtraBold" panose="020B0004020202020204" pitchFamily="34" charset="0"/>
+                <a:ea typeface="MS Mincho" panose="02020609040205080304" pitchFamily="49" charset="-128"/>
+                <a:cs typeface="Arial" panose="020B0604020202020204" pitchFamily="34" charset="0"/>
+              </a:rPr>
+              <a:t>Step 5. </a:t>
+            </a:r>
+            <a:r>
+              <a:rPr lang="en-US" sz="1800" b="1" dirty="0">
+                <a:latin typeface="Aptos ExtraBold" panose="020B0004020202020204" pitchFamily="34" charset="0"/>
+                <a:ea typeface="MS Mincho" panose="02020609040205080304" pitchFamily="49" charset="-128"/>
+                <a:cs typeface="Arial" panose="020B0604020202020204" pitchFamily="34" charset="0"/>
+              </a:rPr>
+              <a:t>Extra Settings (Optional) - Access Tier, Secure Transfer.</a:t>
+            </a:r>
+          </a:p>
+          <a:p>
+            <a:r>
+              <a:rPr lang="en-US" sz="1900" b="1" u="sng" dirty="0">
+                <a:solidFill>
+                  <a:srgbClr val="403152"/>
+                </a:solidFill>
+                <a:latin typeface="Aptos ExtraBold" panose="020B0004020202020204" pitchFamily="34" charset="0"/>
+                <a:ea typeface="MS Mincho" panose="02020609040205080304" pitchFamily="49" charset="-128"/>
+                <a:cs typeface="Arial" panose="020B0604020202020204" pitchFamily="34" charset="0"/>
+              </a:rPr>
+              <a:t>Step 6. </a:t>
+            </a:r>
+            <a:r>
+              <a:rPr lang="en-US" sz="1800" b="1" dirty="0">
+                <a:latin typeface="Aptos ExtraBold" panose="020B0004020202020204" pitchFamily="34" charset="0"/>
+                <a:ea typeface="MS Mincho" panose="02020609040205080304" pitchFamily="49" charset="-128"/>
+                <a:cs typeface="Arial" panose="020B0604020202020204" pitchFamily="34" charset="0"/>
+              </a:rPr>
+              <a:t>Network Settings - Decide between Public or Private Access.</a:t>
+            </a:r>
+          </a:p>
+          <a:p>
+            <a:r>
+              <a:rPr lang="en-US" sz="1900" b="1" u="sng" dirty="0">
+                <a:solidFill>
+                  <a:srgbClr val="403152"/>
+                </a:solidFill>
+                <a:latin typeface="Aptos ExtraBold" panose="020B0004020202020204" pitchFamily="34" charset="0"/>
+                <a:ea typeface="MS Mincho" panose="02020609040205080304" pitchFamily="49" charset="-128"/>
+                <a:cs typeface="Arial" panose="020B0604020202020204" pitchFamily="34" charset="0"/>
+              </a:rPr>
+              <a:t>Step 7. </a:t>
+            </a:r>
+            <a:r>
+              <a:rPr lang="en-US" sz="1800" b="1" dirty="0">
+                <a:latin typeface="Aptos ExtraBold" panose="020B0004020202020204" pitchFamily="34" charset="0"/>
+                <a:ea typeface="MS Mincho" panose="02020609040205080304" pitchFamily="49" charset="-128"/>
+                <a:cs typeface="Arial" panose="020B0604020202020204" pitchFamily="34" charset="0"/>
+              </a:rPr>
+              <a:t>Add Tags (Optional) - Organize your storage with labels.</a:t>
+            </a:r>
+          </a:p>
+          <a:p>
+            <a:pPr rtl="1"/>
+            <a:r>
+              <a:rPr lang="en-US" sz="1900" b="1" u="sng" dirty="0">
+                <a:solidFill>
+                  <a:srgbClr val="403152"/>
+                </a:solidFill>
+                <a:latin typeface="Aptos ExtraBold" panose="020B0004020202020204" pitchFamily="34" charset="0"/>
+                <a:ea typeface="MS Mincho" panose="02020609040205080304" pitchFamily="49" charset="-128"/>
+                <a:cs typeface="Arial" panose="020B0604020202020204" pitchFamily="34" charset="0"/>
+              </a:rPr>
+              <a:t>Step 8. </a:t>
+            </a:r>
+            <a:r>
+              <a:rPr lang="en-US" sz="1800" b="1" dirty="0">
+                <a:latin typeface="Aptos ExtraBold" panose="020B0004020202020204" pitchFamily="34" charset="0"/>
+                <a:ea typeface="MS Mincho" panose="02020609040205080304" pitchFamily="49" charset="-128"/>
+                <a:cs typeface="Arial" panose="020B0604020202020204" pitchFamily="34" charset="0"/>
+              </a:rPr>
+              <a:t>Review &amp; Hit Create - Final check, then click 'Create'.</a:t>
+            </a:r>
+          </a:p>
+          <a:p>
+            <a:r>
+              <a:rPr lang="en-US" sz="1900" b="1" u="sng" dirty="0">
+                <a:solidFill>
+                  <a:srgbClr val="403152"/>
+                </a:solidFill>
+                <a:latin typeface="Aptos ExtraBold" panose="020B0004020202020204" pitchFamily="34" charset="0"/>
+                <a:ea typeface="MS Mincho" panose="02020609040205080304" pitchFamily="49" charset="-128"/>
+                <a:cs typeface="Arial" panose="020B0604020202020204" pitchFamily="34" charset="0"/>
+              </a:rPr>
+              <a:t>Step 9. </a:t>
+            </a:r>
+            <a:r>
+              <a:rPr lang="en-US" sz="1800" b="1" dirty="0">
+                <a:latin typeface="Aptos ExtraBold" panose="020B0004020202020204" pitchFamily="34" charset="0"/>
+                <a:ea typeface="MS Mincho" panose="02020609040205080304" pitchFamily="49" charset="-128"/>
+                <a:cs typeface="Arial" panose="020B0604020202020204" pitchFamily="34" charset="0"/>
+              </a:rPr>
+              <a:t>Managing Your Storage - Upload files, create containers, adjust security settings</a:t>
+            </a:r>
+            <a:r>
+              <a:rPr lang="en-US" sz="1900" dirty="0"/>
+              <a:t>.</a:t>
+            </a:r>
+          </a:p>
           <a:p>
             <a:endParaRPr lang="en-US" dirty="0"/>
           </a:p>
@@ -15506,7 +18010,7 @@
     </p:spTree>
     <p:extLst>
       <p:ext uri="{BB962C8B-B14F-4D97-AF65-F5344CB8AC3E}">
-        <p14:creationId xmlns:p14="http://schemas.microsoft.com/office/powerpoint/2010/main" val="3749168723"/>
+        <p14:creationId xmlns:p14="http://schemas.microsoft.com/office/powerpoint/2010/main" val="4236653800"/>
       </p:ext>
     </p:extLst>
   </p:cSld>
@@ -16351,15 +18855,6 @@
 </file>
 
 <file path=customXml/item1.xml><?xml version="1.0" encoding="utf-8"?>
-<?mso-contentType ?>
-<FormTemplates xmlns="http://schemas.microsoft.com/sharepoint/v3/contenttype/forms">
-  <Display>DocumentLibraryForm</Display>
-  <Edit>DocumentLibraryForm</Edit>
-  <New>DocumentLibraryForm</New>
-</FormTemplates>
-</file>
-
-<file path=customXml/item2.xml><?xml version="1.0" encoding="utf-8"?>
 <p:properties xmlns:p="http://schemas.microsoft.com/office/2006/metadata/properties" xmlns:xsi="http://www.w3.org/2001/XMLSchema-instance" xmlns:pc="http://schemas.microsoft.com/office/infopath/2007/PartnerControls">
   <documentManagement>
     <_ip_UnifiedCompliancePolicyUIAction xmlns="http://schemas.microsoft.com/sharepoint/v3" xsi:nil="true"/>
@@ -16377,6 +18872,15 @@
     <MediaServiceKeyPoints xmlns="71af3243-3dd4-4a8d-8c0d-dd76da1f02a5" xsi:nil="true"/>
   </documentManagement>
 </p:properties>
+</file>
+
+<file path=customXml/item2.xml><?xml version="1.0" encoding="utf-8"?>
+<?mso-contentType ?>
+<FormTemplates xmlns="http://schemas.microsoft.com/sharepoint/v3/contenttype/forms">
+  <Display>DocumentLibraryForm</Display>
+  <Edit>DocumentLibraryForm</Edit>
+  <New>DocumentLibraryForm</New>
+</FormTemplates>
 </file>
 
 <file path=customXml/item3.xml><?xml version="1.0" encoding="utf-8"?>
@@ -16692,14 +19196,6 @@
 </file>
 
 <file path=customXml/itemProps1.xml><?xml version="1.0" encoding="utf-8"?>
-<ds:datastoreItem xmlns:ds="http://schemas.openxmlformats.org/officeDocument/2006/customXml" ds:itemID="{FABD9919-8F5A-4B99-83E1-E90FE1DCF2E1}">
-  <ds:schemaRefs>
-    <ds:schemaRef ds:uri="http://schemas.microsoft.com/sharepoint/v3/contenttype/forms"/>
-  </ds:schemaRefs>
-</ds:datastoreItem>
-</file>
-
-<file path=customXml/itemProps2.xml><?xml version="1.0" encoding="utf-8"?>
 <ds:datastoreItem xmlns:ds="http://schemas.openxmlformats.org/officeDocument/2006/customXml" ds:itemID="{80E87F72-70BF-43BC-A0D4-53665DC12672}">
   <ds:schemaRefs>
     <ds:schemaRef ds:uri="http://schemas.microsoft.com/office/2006/metadata/properties"/>
@@ -16707,6 +19203,14 @@
     <ds:schemaRef ds:uri="http://schemas.microsoft.com/sharepoint/v3"/>
     <ds:schemaRef ds:uri="71af3243-3dd4-4a8d-8c0d-dd76da1f02a5"/>
     <ds:schemaRef ds:uri="230e9df3-be65-4c73-a93b-d1236ebd677e"/>
+  </ds:schemaRefs>
+</ds:datastoreItem>
+</file>
+
+<file path=customXml/itemProps2.xml><?xml version="1.0" encoding="utf-8"?>
+<ds:datastoreItem xmlns:ds="http://schemas.openxmlformats.org/officeDocument/2006/customXml" ds:itemID="{FABD9919-8F5A-4B99-83E1-E90FE1DCF2E1}">
+  <ds:schemaRefs>
+    <ds:schemaRef ds:uri="http://schemas.microsoft.com/sharepoint/v3/contenttype/forms"/>
   </ds:schemaRefs>
 </ds:datastoreItem>
 </file>
